--- a/assets/ppt/lex/lex1-regexp-intro.pptx
+++ b/assets/ppt/lex/lex1-regexp-intro.pptx
@@ -5,10 +5,10 @@
     <p:sldMasterId id="2147483674" r:id="rId1"/>
   </p:sldMasterIdLst>
   <p:notesMasterIdLst>
-    <p:notesMasterId r:id="rId17"/>
+    <p:notesMasterId r:id="rId19"/>
   </p:notesMasterIdLst>
   <p:handoutMasterIdLst>
-    <p:handoutMasterId r:id="rId18"/>
+    <p:handoutMasterId r:id="rId20"/>
   </p:handoutMasterIdLst>
   <p:sldIdLst>
     <p:sldId id="393" r:id="rId2"/>
@@ -21,11 +21,13 @@
     <p:sldId id="360" r:id="rId9"/>
     <p:sldId id="395" r:id="rId10"/>
     <p:sldId id="325" r:id="rId11"/>
-    <p:sldId id="326" r:id="rId12"/>
+    <p:sldId id="397" r:id="rId12"/>
     <p:sldId id="327" r:id="rId13"/>
-    <p:sldId id="328" r:id="rId14"/>
-    <p:sldId id="277" r:id="rId15"/>
-    <p:sldId id="355" r:id="rId16"/>
+    <p:sldId id="326" r:id="rId14"/>
+    <p:sldId id="328" r:id="rId15"/>
+    <p:sldId id="277" r:id="rId16"/>
+    <p:sldId id="355" r:id="rId17"/>
+    <p:sldId id="396" r:id="rId18"/>
   </p:sldIdLst>
   <p:sldSz cx="9144000" cy="5143500" type="screen16x9"/>
   <p:notesSz cx="6858000" cy="9144000"/>
@@ -962,7 +964,7 @@
             <a:fld id="{5E2B6A03-99A0-4A4E-B16E-490E4EA7FEF6}" type="slidenum">
               <a:rPr lang="en-US"/>
               <a:pPr/>
-              <a:t>13</a:t>
+              <a:t>14</a:t>
             </a:fld>
             <a:endParaRPr lang="en-US"/>
           </a:p>
@@ -1001,7 +1003,7 @@
           <a:bodyPr/>
           <a:lstStyle/>
           <a:p>
-            <a:endParaRPr lang="en-US"/>
+            <a:endParaRPr lang="en-US" dirty="0"/>
           </a:p>
         </p:txBody>
       </p:sp>
@@ -1050,7 +1052,7 @@
             <a:fld id="{E024BD8E-C30F-2D4B-B61F-4E04A5CE5EF6}" type="slidenum">
               <a:rPr lang="en-US"/>
               <a:pPr/>
-              <a:t>14</a:t>
+              <a:t>15</a:t>
             </a:fld>
             <a:endParaRPr lang="en-US"/>
           </a:p>
@@ -1138,7 +1140,7 @@
             <a:fld id="{6DE49397-86AC-AA4D-8F8D-CD262C6278EB}" type="slidenum">
               <a:rPr lang="en-US"/>
               <a:pPr/>
-              <a:t>15</a:t>
+              <a:t>16</a:t>
             </a:fld>
             <a:endParaRPr lang="en-US"/>
           </a:p>
@@ -1182,6 +1184,99 @@
         </p:txBody>
       </p:sp>
     </p:spTree>
+  </p:cSld>
+  <p:clrMapOvr>
+    <a:masterClrMapping/>
+  </p:clrMapOvr>
+</p:notes>
+</file>
+
+<file path=ppt/notesSlides/notesSlide13.xml><?xml version="1.0" encoding="utf-8"?>
+<p:notes xmlns:a="http://schemas.openxmlformats.org/drawingml/2006/main" xmlns:r="http://schemas.openxmlformats.org/officeDocument/2006/relationships" xmlns:p="http://schemas.openxmlformats.org/presentationml/2006/main">
+  <p:cSld>
+    <p:spTree>
+      <p:nvGrpSpPr>
+        <p:cNvPr id="1" name=""/>
+        <p:cNvGrpSpPr/>
+        <p:nvPr/>
+      </p:nvGrpSpPr>
+      <p:grpSpPr>
+        <a:xfrm>
+          <a:off x="0" y="0"/>
+          <a:ext cx="0" cy="0"/>
+          <a:chOff x="0" y="0"/>
+          <a:chExt cx="0" cy="0"/>
+        </a:xfrm>
+      </p:grpSpPr>
+      <p:sp>
+        <p:nvSpPr>
+          <p:cNvPr id="7" name="Rectangle 7"/>
+          <p:cNvSpPr>
+            <a:spLocks noGrp="1" noChangeArrowheads="1"/>
+          </p:cNvSpPr>
+          <p:nvPr>
+            <p:ph type="sldNum" sz="quarter" idx="5"/>
+          </p:nvPr>
+        </p:nvSpPr>
+        <p:spPr>
+          <a:ln/>
+        </p:spPr>
+        <p:txBody>
+          <a:bodyPr/>
+          <a:lstStyle/>
+          <a:p>
+            <a:fld id="{CE1CE123-A828-C84E-918B-BFAF202C56B9}" type="slidenum">
+              <a:rPr lang="en-US"/>
+              <a:pPr/>
+              <a:t>17</a:t>
+            </a:fld>
+            <a:endParaRPr lang="en-US"/>
+          </a:p>
+        </p:txBody>
+      </p:sp>
+      <p:sp>
+        <p:nvSpPr>
+          <p:cNvPr id="126978" name="Rectangle 2"/>
+          <p:cNvSpPr>
+            <a:spLocks noGrp="1" noRot="1" noChangeAspect="1" noChangeArrowheads="1" noTextEdit="1"/>
+          </p:cNvSpPr>
+          <p:nvPr>
+            <p:ph type="sldImg"/>
+          </p:nvPr>
+        </p:nvSpPr>
+        <p:spPr>
+          <a:xfrm>
+            <a:off x="381000" y="685800"/>
+            <a:ext cx="6096000" cy="3429000"/>
+          </a:xfrm>
+          <a:ln/>
+        </p:spPr>
+      </p:sp>
+      <p:sp>
+        <p:nvSpPr>
+          <p:cNvPr id="126979" name="Rectangle 3"/>
+          <p:cNvSpPr>
+            <a:spLocks noGrp="1" noChangeArrowheads="1"/>
+          </p:cNvSpPr>
+          <p:nvPr>
+            <p:ph type="body" idx="1"/>
+          </p:nvPr>
+        </p:nvSpPr>
+        <p:spPr/>
+        <p:txBody>
+          <a:bodyPr/>
+          <a:lstStyle/>
+          <a:p>
+            <a:endParaRPr lang="en-US"/>
+          </a:p>
+        </p:txBody>
+      </p:sp>
+    </p:spTree>
+    <p:extLst>
+      <p:ext uri="{BB962C8B-B14F-4D97-AF65-F5344CB8AC3E}">
+        <p14:creationId xmlns:p14="http://schemas.microsoft.com/office/powerpoint/2010/main" val="3695323962"/>
+      </p:ext>
+    </p:extLst>
   </p:cSld>
   <p:clrMapOvr>
     <a:masterClrMapping/>
@@ -1787,10 +1882,10 @@
           <a:bodyPr/>
           <a:lstStyle/>
           <a:p>
-            <a:fld id="{9DE6CBD0-AFB4-1B44-B5AE-27C144ED0C6D}" type="slidenum">
+            <a:fld id="{9BB8EC7A-350B-AD46-B04A-3D8EC8261A85}" type="slidenum">
               <a:rPr lang="en-US"/>
               <a:pPr/>
-              <a:t>11</a:t>
+              <a:t>12</a:t>
             </a:fld>
             <a:endParaRPr lang="en-US"/>
           </a:p>
@@ -1798,7 +1893,7 @@
       </p:sp>
       <p:sp>
         <p:nvSpPr>
-          <p:cNvPr id="119810" name="Rectangle 2"/>
+          <p:cNvPr id="121858" name="Rectangle 2"/>
           <p:cNvSpPr>
             <a:spLocks noGrp="1" noRot="1" noChangeAspect="1" noChangeArrowheads="1"/>
           </p:cNvSpPr>
@@ -1829,7 +1924,7 @@
       </p:sp>
       <p:sp>
         <p:nvSpPr>
-          <p:cNvPr id="119811" name="Rectangle 3"/>
+          <p:cNvPr id="121859" name="Rectangle 3"/>
           <p:cNvSpPr>
             <a:spLocks noGrp="1" noChangeArrowheads="1"/>
           </p:cNvSpPr>
@@ -1911,10 +2006,10 @@
           <a:bodyPr/>
           <a:lstStyle/>
           <a:p>
-            <a:fld id="{9BB8EC7A-350B-AD46-B04A-3D8EC8261A85}" type="slidenum">
+            <a:fld id="{9DE6CBD0-AFB4-1B44-B5AE-27C144ED0C6D}" type="slidenum">
               <a:rPr lang="en-US"/>
               <a:pPr/>
-              <a:t>12</a:t>
+              <a:t>13</a:t>
             </a:fld>
             <a:endParaRPr lang="en-US"/>
           </a:p>
@@ -1922,7 +2017,7 @@
       </p:sp>
       <p:sp>
         <p:nvSpPr>
-          <p:cNvPr id="121858" name="Rectangle 2"/>
+          <p:cNvPr id="119810" name="Rectangle 2"/>
           <p:cNvSpPr>
             <a:spLocks noGrp="1" noRot="1" noChangeAspect="1" noChangeArrowheads="1"/>
           </p:cNvSpPr>
@@ -1953,7 +2048,7 @@
       </p:sp>
       <p:sp>
         <p:nvSpPr>
-          <p:cNvPr id="121859" name="Rectangle 3"/>
+          <p:cNvPr id="119811" name="Rectangle 3"/>
           <p:cNvSpPr>
             <a:spLocks noGrp="1" noChangeArrowheads="1"/>
           </p:cNvSpPr>
@@ -2148,7 +2243,7 @@
           <a:p>
             <a:fld id="{CD155153-796A-6044-80B0-BCB61AB77D7E}" type="datetime1">
               <a:rPr lang="en-CA" smtClean="0"/>
-              <a:t>2020-09-11</a:t>
+              <a:t>2020-09-13</a:t>
             </a:fld>
             <a:endParaRPr lang="en-US"/>
           </a:p>
@@ -2346,7 +2441,7 @@
           <a:p>
             <a:fld id="{0C2F2390-AD6E-EC4A-BF06-44B475035BBB}" type="datetime1">
               <a:rPr lang="en-CA" smtClean="0"/>
-              <a:t>2020-09-11</a:t>
+              <a:t>2020-09-13</a:t>
             </a:fld>
             <a:endParaRPr lang="en-US"/>
           </a:p>
@@ -2554,7 +2649,7 @@
           <a:p>
             <a:fld id="{74F0162D-8AF1-B746-9324-79D9DFF87EE1}" type="datetime1">
               <a:rPr lang="en-CA" smtClean="0"/>
-              <a:t>2020-09-11</a:t>
+              <a:t>2020-09-13</a:t>
             </a:fld>
             <a:endParaRPr lang="en-US"/>
           </a:p>
@@ -2904,7 +2999,7 @@
           <a:p>
             <a:fld id="{48EEC95D-94AA-034B-89A9-DB629CD3B60A}" type="datetime1">
               <a:rPr lang="en-CA" smtClean="0"/>
-              <a:t>2020-09-11</a:t>
+              <a:t>2020-09-13</a:t>
             </a:fld>
             <a:endParaRPr lang="en-US"/>
           </a:p>
@@ -3179,7 +3274,7 @@
           <a:p>
             <a:fld id="{C33573E6-B7A8-E440-BF56-DE474A1F36DF}" type="datetime1">
               <a:rPr lang="en-CA" smtClean="0"/>
-              <a:t>2020-09-11</a:t>
+              <a:t>2020-09-13</a:t>
             </a:fld>
             <a:endParaRPr lang="en-US"/>
           </a:p>
@@ -3444,7 +3539,7 @@
           <a:p>
             <a:fld id="{ADB6810C-8737-8042-BFA4-E7F118D498C2}" type="datetime1">
               <a:rPr lang="en-CA" smtClean="0"/>
-              <a:t>2020-09-11</a:t>
+              <a:t>2020-09-13</a:t>
             </a:fld>
             <a:endParaRPr lang="en-US"/>
           </a:p>
@@ -3856,7 +3951,7 @@
           <a:p>
             <a:fld id="{B268D4F7-EDF4-F04E-8777-716430FC61E6}" type="datetime1">
               <a:rPr lang="en-CA" smtClean="0"/>
-              <a:t>2020-09-11</a:t>
+              <a:t>2020-09-13</a:t>
             </a:fld>
             <a:endParaRPr lang="en-US"/>
           </a:p>
@@ -3997,7 +4092,7 @@
           <a:p>
             <a:fld id="{C672A9A9-645E-5A4A-B657-E5685CB01EF6}" type="datetime1">
               <a:rPr lang="en-CA" smtClean="0"/>
-              <a:t>2020-09-11</a:t>
+              <a:t>2020-09-13</a:t>
             </a:fld>
             <a:endParaRPr lang="en-US"/>
           </a:p>
@@ -4110,7 +4205,7 @@
           <a:p>
             <a:fld id="{8FACFCA1-A285-2148-A7B7-A06D840EAF24}" type="datetime1">
               <a:rPr lang="en-CA" smtClean="0"/>
-              <a:t>2020-09-11</a:t>
+              <a:t>2020-09-13</a:t>
             </a:fld>
             <a:endParaRPr lang="en-US"/>
           </a:p>
@@ -4421,7 +4516,7 @@
           <a:p>
             <a:fld id="{ED91CBB0-65FD-7F4E-916A-2295F04A7F78}" type="datetime1">
               <a:rPr lang="en-CA" smtClean="0"/>
-              <a:t>2020-09-11</a:t>
+              <a:t>2020-09-13</a:t>
             </a:fld>
             <a:endParaRPr lang="en-US"/>
           </a:p>
@@ -4709,7 +4804,7 @@
           <a:p>
             <a:fld id="{8518C417-761B-E24B-8341-A8503B950F7F}" type="datetime1">
               <a:rPr lang="en-CA" smtClean="0"/>
-              <a:t>2020-09-11</a:t>
+              <a:t>2020-09-13</a:t>
             </a:fld>
             <a:endParaRPr lang="en-US"/>
           </a:p>
@@ -4950,7 +5045,7 @@
           <a:p>
             <a:fld id="{66217A24-8D3D-B449-A4DF-FC8135192729}" type="datetime1">
               <a:rPr lang="en-CA" smtClean="0"/>
-              <a:t>2020-09-11</a:t>
+              <a:t>2020-09-13</a:t>
             </a:fld>
             <a:endParaRPr lang="en-US"/>
           </a:p>
@@ -5646,8 +5741,8 @@
           </a:p>
         </p:txBody>
       </p:sp>
-      <mc:AlternateContent xmlns:mc="http://schemas.openxmlformats.org/markup-compatibility/2006">
-        <mc:Choice xmlns:a14="http://schemas.microsoft.com/office/drawing/2010/main" Requires="a14">
+      <mc:AlternateContent xmlns:mc="http://schemas.openxmlformats.org/markup-compatibility/2006" xmlns:a14="http://schemas.microsoft.com/office/drawing/2010/main">
+        <mc:Choice Requires="a14">
           <p:sp>
             <p:nvSpPr>
               <p:cNvPr id="115715" name="Rectangle 3"/>
@@ -6647,14 +6742,24 @@
                       <m:t>𝑛</m:t>
                     </m:r>
                     <m:r>
-                      <a:rPr lang="en-US" i="1" dirty="0">
+                      <a:rPr lang="en-US" b="0" i="1" dirty="0" smtClean="0">
                         <a:solidFill>
                           <a:schemeClr val="accent2"/>
                         </a:solidFill>
                         <a:latin typeface="Cambria Math" panose="02040503050406030204" pitchFamily="18" charset="0"/>
                         <a:sym typeface="Symbol" charset="2"/>
                       </a:rPr>
-                      <m:t> </m:t>
+                      <m:t>𝑏</m:t>
+                    </m:r>
+                    <m:r>
+                      <a:rPr lang="en-US" i="1" baseline="30000" dirty="0">
+                        <a:solidFill>
+                          <a:schemeClr val="accent2"/>
+                        </a:solidFill>
+                        <a:latin typeface="Cambria Math" panose="02040503050406030204" pitchFamily="18" charset="0"/>
+                        <a:sym typeface="Symbol" charset="2"/>
+                      </a:rPr>
+                      <m:t>𝑛</m:t>
                     </m:r>
                     <m:r>
                       <a:rPr lang="en-US" i="1" dirty="0">
@@ -6664,17 +6769,7 @@
                         <a:latin typeface="Cambria Math" panose="02040503050406030204" pitchFamily="18" charset="0"/>
                         <a:sym typeface="Symbol" charset="2"/>
                       </a:rPr>
-                      <m:t>𝑏𝑛</m:t>
-                    </m:r>
-                    <m:r>
-                      <a:rPr lang="en-US" i="1" dirty="0">
-                        <a:solidFill>
-                          <a:schemeClr val="accent2"/>
-                        </a:solidFill>
-                        <a:latin typeface="Cambria Math" panose="02040503050406030204" pitchFamily="18" charset="0"/>
-                        <a:sym typeface="Symbol" charset="2"/>
-                      </a:rPr>
-                      <m:t> : </m:t>
+                      <m:t>: </m:t>
                     </m:r>
                     <m:r>
                       <a:rPr lang="en-US" i="1" dirty="0">
@@ -6694,7 +6789,7 @@
                         <a:latin typeface="Cambria Math" panose="02040503050406030204" pitchFamily="18" charset="0"/>
                         <a:sym typeface="Symbol" charset="2"/>
                       </a:rPr>
-                      <m:t> &gt; 0 }</m:t>
+                      <m:t>&gt;0 }</m:t>
                     </m:r>
                   </m:oMath>
                 </a14:m>
@@ -6708,7 +6803,7 @@
             </p:txBody>
           </p:sp>
         </mc:Choice>
-        <mc:Fallback>
+        <mc:Fallback xmlns="">
           <p:sp>
             <p:nvSpPr>
               <p:cNvPr id="115715" name="Rectangle 3"/>
@@ -6766,8 +6861,8 @@
           </a:p>
         </p:txBody>
       </p:sp>
-      <mc:AlternateContent xmlns:mc="http://schemas.openxmlformats.org/markup-compatibility/2006">
-        <mc:Choice xmlns:a14="http://schemas.microsoft.com/office/drawing/2010/main" Requires="a14">
+      <mc:AlternateContent xmlns:mc="http://schemas.openxmlformats.org/markup-compatibility/2006" xmlns:a14="http://schemas.microsoft.com/office/drawing/2010/main">
+        <mc:Choice Requires="a14">
           <p:sp>
             <p:nvSpPr>
               <p:cNvPr id="8" name="Rectangular Callout 7">
@@ -6845,7 +6940,7 @@
             </p:txBody>
           </p:sp>
         </mc:Choice>
-        <mc:Fallback>
+        <mc:Fallback xmlns="">
           <p:sp>
             <p:nvSpPr>
               <p:cNvPr id="8" name="Rectangular Callout 7">
@@ -6893,8 +6988,8 @@
           </p:sp>
         </mc:Fallback>
       </mc:AlternateContent>
-      <mc:AlternateContent xmlns:mc="http://schemas.openxmlformats.org/markup-compatibility/2006">
-        <mc:Choice xmlns:a14="http://schemas.microsoft.com/office/drawing/2010/main" Requires="a14">
+      <mc:AlternateContent xmlns:mc="http://schemas.openxmlformats.org/markup-compatibility/2006" xmlns:a14="http://schemas.microsoft.com/office/drawing/2010/main">
+        <mc:Choice Requires="a14">
           <p:sp>
             <p:nvSpPr>
               <p:cNvPr id="9" name="Rectangular Callout 8">
@@ -7031,7 +7126,7 @@
             </p:txBody>
           </p:sp>
         </mc:Choice>
-        <mc:Fallback>
+        <mc:Fallback xmlns="">
           <p:sp>
             <p:nvSpPr>
               <p:cNvPr id="9" name="Rectangular Callout 8">
@@ -7621,38 +7716,22 @@
           <a:chExt cx="0" cy="0"/>
         </a:xfrm>
       </p:grpSpPr>
-      <p:sp>
-        <p:nvSpPr>
-          <p:cNvPr id="118786" name="Rectangle 2"/>
-          <p:cNvSpPr>
-            <a:spLocks noGrp="1" noChangeArrowheads="1"/>
-          </p:cNvSpPr>
-          <p:nvPr>
-            <p:ph type="title"/>
-          </p:nvPr>
-        </p:nvSpPr>
-        <p:spPr/>
-        <p:txBody>
-          <a:bodyPr/>
-          <a:lstStyle/>
-          <a:p>
-            <a:r>
-              <a:rPr lang="en-US"/>
-              <a:t>Regular Languages</a:t>
-            </a:r>
-          </a:p>
-        </p:txBody>
-      </p:sp>
       <mc:AlternateContent xmlns:mc="http://schemas.openxmlformats.org/markup-compatibility/2006">
         <mc:Choice xmlns:a14="http://schemas.microsoft.com/office/drawing/2010/main" Requires="a14">
           <p:sp>
             <p:nvSpPr>
-              <p:cNvPr id="118787" name="Rectangle 3"/>
+              <p:cNvPr id="2" name="Title 1">
+                <a:extLst>
+                  <a:ext uri="{FF2B5EF4-FFF2-40B4-BE49-F238E27FC236}">
+                    <a16:creationId xmlns:a16="http://schemas.microsoft.com/office/drawing/2014/main" id="{5CD7DCF9-92BB-084B-B80A-E1ADCA5B4308}"/>
+                  </a:ext>
+                </a:extLst>
+              </p:cNvPr>
               <p:cNvSpPr>
-                <a:spLocks noGrp="1" noChangeArrowheads="1"/>
+                <a:spLocks noGrp="1"/>
               </p:cNvSpPr>
               <p:nvPr>
-                <p:ph idx="1"/>
+                <p:ph type="title"/>
               </p:nvPr>
             </p:nvSpPr>
             <p:spPr/>
@@ -7662,234 +7741,38 @@
               <a:p>
                 <a:r>
                   <a:rPr lang="en-US" dirty="0"/>
-                  <a:t>The set of regular languages: each element is a regular language</a:t>
+                  <a:t>The Library of Babel: Visualizing </a:t>
                 </a:r>
-              </a:p>
-              <a:p>
-                <a:pPr lvl="1"/>
                 <a14:m>
                   <m:oMath xmlns:m="http://schemas.openxmlformats.org/officeDocument/2006/math">
                     <m:r>
-                      <a:rPr lang="en-US" i="1" dirty="0" smtClean="0">
+                      <m:rPr>
+                        <m:sty m:val="p"/>
+                      </m:rPr>
+                      <a:rPr lang="el-GR" i="1">
                         <a:solidFill>
                           <a:schemeClr val="accent2"/>
                         </a:solidFill>
                         <a:latin typeface="Cambria Math" panose="02040503050406030204" pitchFamily="18" charset="0"/>
+                        <a:ea typeface="Cambria Math" panose="02040503050406030204" pitchFamily="18" charset="0"/>
                         <a:sym typeface="Symbol" charset="2"/>
                       </a:rPr>
-                      <m:t>𝑅</m:t>
+                      <m:t>Σ</m:t>
                     </m:r>
                     <m:r>
-                      <a:rPr lang="en-US" i="1" dirty="0" smtClean="0">
+                      <a:rPr lang="en-US" baseline="30000">
                         <a:solidFill>
                           <a:schemeClr val="accent2"/>
                         </a:solidFill>
                         <a:latin typeface="Cambria Math" panose="02040503050406030204" pitchFamily="18" charset="0"/>
+                        <a:ea typeface="Cambria Math" panose="02040503050406030204" pitchFamily="18" charset="0"/>
                         <a:sym typeface="Symbol" charset="2"/>
                       </a:rPr>
-                      <m:t>= {</m:t>
-                    </m:r>
-                    <m:r>
-                      <a:rPr lang="en-US" i="1" dirty="0" smtClean="0">
-                        <a:solidFill>
-                          <a:schemeClr val="accent2"/>
-                        </a:solidFill>
-                        <a:latin typeface="Cambria Math" panose="02040503050406030204" pitchFamily="18" charset="0"/>
-                        <a:sym typeface="Symbol" charset="2"/>
-                      </a:rPr>
-                      <m:t>𝑅</m:t>
-                    </m:r>
-                    <m:r>
-                      <a:rPr lang="en-US" i="1" baseline="-25000" dirty="0">
-                        <a:solidFill>
-                          <a:schemeClr val="accent2"/>
-                        </a:solidFill>
-                        <a:latin typeface="Cambria Math" panose="02040503050406030204" pitchFamily="18" charset="0"/>
-                        <a:sym typeface="Symbol" charset="2"/>
-                      </a:rPr>
-                      <m:t>1</m:t>
-                    </m:r>
-                    <m:r>
-                      <a:rPr lang="en-US" i="1" dirty="0">
-                        <a:solidFill>
-                          <a:schemeClr val="accent2"/>
-                        </a:solidFill>
-                        <a:latin typeface="Cambria Math" panose="02040503050406030204" pitchFamily="18" charset="0"/>
-                        <a:sym typeface="Symbol" charset="2"/>
-                      </a:rPr>
-                      <m:t> , </m:t>
-                    </m:r>
-                    <m:r>
-                      <a:rPr lang="en-US" i="1" dirty="0">
-                        <a:solidFill>
-                          <a:schemeClr val="accent2"/>
-                        </a:solidFill>
-                        <a:latin typeface="Cambria Math" panose="02040503050406030204" pitchFamily="18" charset="0"/>
-                        <a:sym typeface="Symbol" charset="2"/>
-                      </a:rPr>
-                      <m:t>𝑅</m:t>
-                    </m:r>
-                    <m:r>
-                      <a:rPr lang="en-US" i="1" baseline="-25000" dirty="0">
-                        <a:solidFill>
-                          <a:schemeClr val="accent2"/>
-                        </a:solidFill>
-                        <a:latin typeface="Cambria Math" panose="02040503050406030204" pitchFamily="18" charset="0"/>
-                        <a:sym typeface="Symbol" charset="2"/>
-                      </a:rPr>
-                      <m:t>2 </m:t>
-                    </m:r>
-                    <m:r>
-                      <a:rPr lang="en-US" i="1" dirty="0">
-                        <a:solidFill>
-                          <a:schemeClr val="accent2"/>
-                        </a:solidFill>
-                        <a:latin typeface="Cambria Math" panose="02040503050406030204" pitchFamily="18" charset="0"/>
-                        <a:sym typeface="Symbol" charset="2"/>
-                      </a:rPr>
-                      <m:t>, …, </m:t>
-                    </m:r>
-                    <m:r>
-                      <a:rPr lang="en-US" i="1" dirty="0" err="1">
-                        <a:solidFill>
-                          <a:schemeClr val="accent2"/>
-                        </a:solidFill>
-                        <a:latin typeface="Cambria Math" panose="02040503050406030204" pitchFamily="18" charset="0"/>
-                        <a:sym typeface="Symbol" charset="2"/>
-                      </a:rPr>
-                      <m:t>𝑅</m:t>
-                    </m:r>
-                    <m:r>
-                      <a:rPr lang="en-US" i="1" baseline="-25000" dirty="0" err="1">
-                        <a:solidFill>
-                          <a:schemeClr val="accent2"/>
-                        </a:solidFill>
-                        <a:latin typeface="Cambria Math" panose="02040503050406030204" pitchFamily="18" charset="0"/>
-                        <a:sym typeface="Symbol" charset="2"/>
-                      </a:rPr>
-                      <m:t>𝑛</m:t>
-                    </m:r>
-                    <m:r>
-                      <a:rPr lang="en-US" i="1" dirty="0">
-                        <a:solidFill>
-                          <a:schemeClr val="accent2"/>
-                        </a:solidFill>
-                        <a:latin typeface="Cambria Math" panose="02040503050406030204" pitchFamily="18" charset="0"/>
-                        <a:sym typeface="Symbol" charset="2"/>
-                      </a:rPr>
-                      <m:t>,…}</m:t>
+                      <m:t>∗</m:t>
                     </m:r>
                   </m:oMath>
                 </a14:m>
                 <a:endParaRPr lang="en-US" dirty="0"/>
-              </a:p>
-              <a:p>
-                <a:r>
-                  <a:rPr lang="en-US" dirty="0"/>
-                  <a:t>Each regular language is an example of a (formal) language, i.e. a set of strings</a:t>
-                </a:r>
-              </a:p>
-              <a:p>
-                <a:pPr lvl="1">
-                  <a:buFontTx/>
-                  <a:buNone/>
-                </a:pPr>
-                <a:r>
-                  <a:rPr lang="en-US" dirty="0">
-                    <a:solidFill>
-                      <a:schemeClr val="accent2"/>
-                    </a:solidFill>
-                  </a:rPr>
-                  <a:t>e.g. </a:t>
-                </a:r>
-                <a14:m>
-                  <m:oMath xmlns:m="http://schemas.openxmlformats.org/officeDocument/2006/math">
-                    <m:r>
-                      <a:rPr lang="en-US" i="1" dirty="0" smtClean="0">
-                        <a:solidFill>
-                          <a:schemeClr val="accent2"/>
-                        </a:solidFill>
-                        <a:latin typeface="Cambria Math" panose="02040503050406030204" pitchFamily="18" charset="0"/>
-                      </a:rPr>
-                      <m:t>{ </m:t>
-                    </m:r>
-                    <m:r>
-                      <a:rPr lang="en-US" i="1" dirty="0" smtClean="0">
-                        <a:solidFill>
-                          <a:schemeClr val="accent2"/>
-                        </a:solidFill>
-                        <a:latin typeface="Cambria Math" panose="02040503050406030204" pitchFamily="18" charset="0"/>
-                      </a:rPr>
-                      <m:t>𝑎𝑚</m:t>
-                    </m:r>
-                    <m:r>
-                      <a:rPr lang="en-US" i="1" dirty="0" smtClean="0">
-                        <a:solidFill>
-                          <a:schemeClr val="accent2"/>
-                        </a:solidFill>
-                        <a:latin typeface="Cambria Math" panose="02040503050406030204" pitchFamily="18" charset="0"/>
-                      </a:rPr>
-                      <m:t> </m:t>
-                    </m:r>
-                    <m:r>
-                      <a:rPr lang="en-US" i="1" dirty="0" smtClean="0">
-                        <a:solidFill>
-                          <a:schemeClr val="accent2"/>
-                        </a:solidFill>
-                        <a:latin typeface="Cambria Math" panose="02040503050406030204" pitchFamily="18" charset="0"/>
-                      </a:rPr>
-                      <m:t>𝑏𝑛</m:t>
-                    </m:r>
-                    <m:r>
-                      <a:rPr lang="en-US" i="1" dirty="0" smtClean="0">
-                        <a:solidFill>
-                          <a:schemeClr val="accent2"/>
-                        </a:solidFill>
-                        <a:latin typeface="Cambria Math" panose="02040503050406030204" pitchFamily="18" charset="0"/>
-                      </a:rPr>
-                      <m:t> : </m:t>
-                    </m:r>
-                    <m:r>
-                      <a:rPr lang="en-US" i="1" dirty="0" smtClean="0">
-                        <a:solidFill>
-                          <a:schemeClr val="accent2"/>
-                        </a:solidFill>
-                        <a:latin typeface="Cambria Math" panose="02040503050406030204" pitchFamily="18" charset="0"/>
-                      </a:rPr>
-                      <m:t>𝑚</m:t>
-                    </m:r>
-                    <m:r>
-                      <a:rPr lang="en-US" i="1" dirty="0" smtClean="0">
-                        <a:solidFill>
-                          <a:schemeClr val="accent2"/>
-                        </a:solidFill>
-                        <a:latin typeface="Cambria Math" panose="02040503050406030204" pitchFamily="18" charset="0"/>
-                      </a:rPr>
-                      <m:t> &gt; 0, </m:t>
-                    </m:r>
-                    <m:r>
-                      <a:rPr lang="en-US" i="1" dirty="0" smtClean="0">
-                        <a:solidFill>
-                          <a:schemeClr val="accent2"/>
-                        </a:solidFill>
-                        <a:latin typeface="Cambria Math" panose="02040503050406030204" pitchFamily="18" charset="0"/>
-                      </a:rPr>
-                      <m:t>𝑛</m:t>
-                    </m:r>
-                    <m:r>
-                      <a:rPr lang="en-US" i="1" dirty="0" smtClean="0">
-                        <a:solidFill>
-                          <a:schemeClr val="accent2"/>
-                        </a:solidFill>
-                        <a:latin typeface="Cambria Math" panose="02040503050406030204" pitchFamily="18" charset="0"/>
-                      </a:rPr>
-                      <m:t> &gt; 0 }</m:t>
-                    </m:r>
-                  </m:oMath>
-                </a14:m>
-                <a:endParaRPr lang="en-US" sz="1800" baseline="30000" dirty="0">
-                  <a:sym typeface="Symbol" charset="2"/>
-                </a:endParaRPr>
               </a:p>
             </p:txBody>
           </p:sp>
@@ -7897,19 +7780,25 @@
         <mc:Fallback>
           <p:sp>
             <p:nvSpPr>
-              <p:cNvPr id="118787" name="Rectangle 3"/>
+              <p:cNvPr id="2" name="Title 1">
+                <a:extLst>
+                  <a:ext uri="{FF2B5EF4-FFF2-40B4-BE49-F238E27FC236}">
+                    <a16:creationId xmlns:a16="http://schemas.microsoft.com/office/drawing/2014/main" id="{5CD7DCF9-92BB-084B-B80A-E1ADCA5B4308}"/>
+                  </a:ext>
+                </a:extLst>
+              </p:cNvPr>
               <p:cNvSpPr>
                 <a:spLocks noGrp="1" noRot="1" noChangeAspect="1" noMove="1" noResize="1" noEditPoints="1" noAdjustHandles="1" noChangeArrowheads="1" noChangeShapeType="1" noTextEdit="1"/>
               </p:cNvSpPr>
               <p:nvPr>
-                <p:ph idx="1"/>
+                <p:ph type="title"/>
               </p:nvPr>
             </p:nvSpPr>
             <p:spPr>
               <a:blipFill>
-                <a:blip r:embed="rId3"/>
+                <a:blip r:embed="rId2"/>
                 <a:stretch>
-                  <a:fillRect l="-644" t="-2734"/>
+                  <a:fillRect l="-2093"/>
                 </a:stretch>
               </a:blipFill>
             </p:spPr>
@@ -7930,7 +7819,13 @@
       </mc:AlternateContent>
       <p:sp>
         <p:nvSpPr>
-          <p:cNvPr id="5" name="Slide Number Placeholder 5"/>
+          <p:cNvPr id="3" name="Slide Number Placeholder 2">
+            <a:extLst>
+              <a:ext uri="{FF2B5EF4-FFF2-40B4-BE49-F238E27FC236}">
+                <a16:creationId xmlns:a16="http://schemas.microsoft.com/office/drawing/2014/main" id="{B89EEDE6-68F5-FA40-A96F-FDDEF0DE2213}"/>
+              </a:ext>
+            </a:extLst>
+          </p:cNvPr>
           <p:cNvSpPr>
             <a:spLocks noGrp="1"/>
           </p:cNvSpPr>
@@ -7943,16 +7838,114 @@
           <a:bodyPr/>
           <a:lstStyle/>
           <a:p>
-            <a:fld id="{6AA82936-250C-DF4C-AF7C-1FB0304B67D6}" type="slidenum">
-              <a:rPr lang="en-US"/>
-              <a:pPr/>
+            <a:fld id="{7B252BF6-6A9C-D04A-BBE8-37A07D64A1C3}" type="slidenum">
+              <a:rPr lang="en-US" smtClean="0"/>
               <a:t>11</a:t>
             </a:fld>
             <a:endParaRPr lang="en-US"/>
           </a:p>
         </p:txBody>
       </p:sp>
+      <p:pic>
+        <p:nvPicPr>
+          <p:cNvPr id="2050" name="Picture 2" descr="The Library of Babel by Érik Desmazières – { feuilleton }">
+            <a:extLst>
+              <a:ext uri="{FF2B5EF4-FFF2-40B4-BE49-F238E27FC236}">
+                <a16:creationId xmlns:a16="http://schemas.microsoft.com/office/drawing/2014/main" id="{2817D72C-BE6F-F54A-9CBF-C263992909AF}"/>
+              </a:ext>
+            </a:extLst>
+          </p:cNvPr>
+          <p:cNvPicPr>
+            <a:picLocks noChangeAspect="1" noChangeArrowheads="1"/>
+          </p:cNvPicPr>
+          <p:nvPr/>
+        </p:nvPicPr>
+        <p:blipFill>
+          <a:blip r:embed="rId3">
+            <a:extLst>
+              <a:ext uri="{28A0092B-C50C-407E-A947-70E740481C1C}">
+                <a14:useLocalDpi xmlns:a14="http://schemas.microsoft.com/office/drawing/2010/main" val="0"/>
+              </a:ext>
+            </a:extLst>
+          </a:blip>
+          <a:srcRect/>
+          <a:stretch>
+            <a:fillRect/>
+          </a:stretch>
+        </p:blipFill>
+        <p:spPr bwMode="auto">
+          <a:xfrm>
+            <a:off x="4932040" y="1056663"/>
+            <a:ext cx="2880320" cy="3924405"/>
+          </a:xfrm>
+          <a:prstGeom prst="rect">
+            <a:avLst/>
+          </a:prstGeom>
+          <a:noFill/>
+          <a:extLst>
+            <a:ext uri="{909E8E84-426E-40DD-AFC4-6F175D3DCCD1}">
+              <a14:hiddenFill xmlns:a14="http://schemas.microsoft.com/office/drawing/2010/main">
+                <a:solidFill>
+                  <a:srgbClr val="FFFFFF"/>
+                </a:solidFill>
+              </a14:hiddenFill>
+            </a:ext>
+          </a:extLst>
+        </p:spPr>
+      </p:pic>
+      <p:pic>
+        <p:nvPicPr>
+          <p:cNvPr id="2054" name="Picture 6" descr="The LIBRARY OF BABEL - Audiobook | Listen Instantly!">
+            <a:extLst>
+              <a:ext uri="{FF2B5EF4-FFF2-40B4-BE49-F238E27FC236}">
+                <a16:creationId xmlns:a16="http://schemas.microsoft.com/office/drawing/2014/main" id="{3972AC30-38D3-DD4F-A712-60641A5313DA}"/>
+              </a:ext>
+            </a:extLst>
+          </p:cNvPr>
+          <p:cNvPicPr>
+            <a:picLocks noChangeAspect="1" noChangeArrowheads="1"/>
+          </p:cNvPicPr>
+          <p:nvPr/>
+        </p:nvPicPr>
+        <p:blipFill>
+          <a:blip r:embed="rId4">
+            <a:extLst>
+              <a:ext uri="{28A0092B-C50C-407E-A947-70E740481C1C}">
+                <a14:useLocalDpi xmlns:a14="http://schemas.microsoft.com/office/drawing/2010/main" val="0"/>
+              </a:ext>
+            </a:extLst>
+          </a:blip>
+          <a:srcRect/>
+          <a:stretch>
+            <a:fillRect/>
+          </a:stretch>
+        </p:blipFill>
+        <p:spPr bwMode="auto">
+          <a:xfrm>
+            <a:off x="628650" y="1084918"/>
+            <a:ext cx="3867894" cy="3867894"/>
+          </a:xfrm>
+          <a:prstGeom prst="rect">
+            <a:avLst/>
+          </a:prstGeom>
+          <a:noFill/>
+          <a:extLst>
+            <a:ext uri="{909E8E84-426E-40DD-AFC4-6F175D3DCCD1}">
+              <a14:hiddenFill xmlns:a14="http://schemas.microsoft.com/office/drawing/2010/main">
+                <a:solidFill>
+                  <a:srgbClr val="FFFFFF"/>
+                </a:solidFill>
+              </a14:hiddenFill>
+            </a:ext>
+          </a:extLst>
+        </p:spPr>
+      </p:pic>
     </p:spTree>
+    <p:extLst>
+      <p:ext uri="{BB962C8B-B14F-4D97-AF65-F5344CB8AC3E}">
+        <p14:creationId xmlns:p14="http://schemas.microsoft.com/office/powerpoint/2010/main" val="1596088199"/>
+      </p:ext>
+    </p:extLst>
   </p:cSld>
   <p:clrMapOvr>
     <a:masterClrMapping/>
@@ -8105,8 +8098,8 @@
           </a:p>
         </p:txBody>
       </p:sp>
-      <mc:AlternateContent xmlns:mc="http://schemas.openxmlformats.org/markup-compatibility/2006">
-        <mc:Choice xmlns:a14="http://schemas.microsoft.com/office/drawing/2010/main" Requires="a14">
+      <mc:AlternateContent xmlns:mc="http://schemas.openxmlformats.org/markup-compatibility/2006" xmlns:a14="http://schemas.microsoft.com/office/drawing/2010/main">
+        <mc:Choice Requires="a14">
           <p:sp>
             <p:nvSpPr>
               <p:cNvPr id="4" name="TextBox 3">
@@ -8217,7 +8210,7 @@
             </p:txBody>
           </p:sp>
         </mc:Choice>
-        <mc:Fallback>
+        <mc:Fallback xmlns="">
           <p:sp>
             <p:nvSpPr>
               <p:cNvPr id="4" name="TextBox 3">
@@ -8282,8 +8275,8 @@
             <a:chExt cx="6226833" cy="2131056"/>
           </a:xfrm>
         </p:grpSpPr>
-        <mc:AlternateContent xmlns:mc="http://schemas.openxmlformats.org/markup-compatibility/2006">
-          <mc:Choice xmlns:a14="http://schemas.microsoft.com/office/drawing/2010/main" Requires="a14">
+        <mc:AlternateContent xmlns:mc="http://schemas.openxmlformats.org/markup-compatibility/2006" xmlns:a14="http://schemas.microsoft.com/office/drawing/2010/main">
+          <mc:Choice Requires="a14">
             <p:sp>
               <p:nvSpPr>
                 <p:cNvPr id="5" name="TextBox 4">
@@ -8395,7 +8388,7 @@
               </p:txBody>
             </p:sp>
           </mc:Choice>
-          <mc:Fallback>
+          <mc:Fallback xmlns="">
             <p:sp>
               <p:nvSpPr>
                 <p:cNvPr id="5" name="TextBox 4">
@@ -9001,6 +8994,568 @@
       </p:grpSpPr>
       <p:sp>
         <p:nvSpPr>
+          <p:cNvPr id="118786" name="Rectangle 2"/>
+          <p:cNvSpPr>
+            <a:spLocks noGrp="1" noChangeArrowheads="1"/>
+          </p:cNvSpPr>
+          <p:nvPr>
+            <p:ph type="title"/>
+          </p:nvPr>
+        </p:nvSpPr>
+        <p:spPr/>
+        <p:txBody>
+          <a:bodyPr/>
+          <a:lstStyle/>
+          <a:p>
+            <a:r>
+              <a:rPr lang="en-US"/>
+              <a:t>Regular Languages</a:t>
+            </a:r>
+          </a:p>
+        </p:txBody>
+      </p:sp>
+      <mc:AlternateContent xmlns:mc="http://schemas.openxmlformats.org/markup-compatibility/2006" xmlns:a14="http://schemas.microsoft.com/office/drawing/2010/main">
+        <mc:Choice Requires="a14">
+          <p:sp>
+            <p:nvSpPr>
+              <p:cNvPr id="118787" name="Rectangle 3"/>
+              <p:cNvSpPr>
+                <a:spLocks noGrp="1" noChangeArrowheads="1"/>
+              </p:cNvSpPr>
+              <p:nvPr>
+                <p:ph idx="1"/>
+              </p:nvPr>
+            </p:nvSpPr>
+            <p:spPr/>
+            <p:txBody>
+              <a:bodyPr/>
+              <a:lstStyle/>
+              <a:p>
+                <a:r>
+                  <a:rPr lang="en-US" dirty="0"/>
+                  <a:t>The set of regular languages: each element is a regular language</a:t>
+                </a:r>
+              </a:p>
+              <a:p>
+                <a:pPr lvl="1"/>
+                <a14:m>
+                  <m:oMath xmlns:m="http://schemas.openxmlformats.org/officeDocument/2006/math">
+                    <m:r>
+                      <a:rPr lang="en-US" i="1" dirty="0" smtClean="0">
+                        <a:solidFill>
+                          <a:schemeClr val="accent2"/>
+                        </a:solidFill>
+                        <a:latin typeface="Cambria Math" panose="02040503050406030204" pitchFamily="18" charset="0"/>
+                        <a:sym typeface="Symbol" charset="2"/>
+                      </a:rPr>
+                      <m:t>𝑅</m:t>
+                    </m:r>
+                    <m:r>
+                      <a:rPr lang="en-US" i="1" dirty="0" smtClean="0">
+                        <a:solidFill>
+                          <a:schemeClr val="accent2"/>
+                        </a:solidFill>
+                        <a:latin typeface="Cambria Math" panose="02040503050406030204" pitchFamily="18" charset="0"/>
+                        <a:sym typeface="Symbol" charset="2"/>
+                      </a:rPr>
+                      <m:t>= {</m:t>
+                    </m:r>
+                    <m:r>
+                      <a:rPr lang="en-US" i="1" dirty="0" smtClean="0">
+                        <a:solidFill>
+                          <a:schemeClr val="accent2"/>
+                        </a:solidFill>
+                        <a:latin typeface="Cambria Math" panose="02040503050406030204" pitchFamily="18" charset="0"/>
+                        <a:sym typeface="Symbol" charset="2"/>
+                      </a:rPr>
+                      <m:t>𝑅</m:t>
+                    </m:r>
+                    <m:r>
+                      <a:rPr lang="en-US" i="1" baseline="-25000" dirty="0">
+                        <a:solidFill>
+                          <a:schemeClr val="accent2"/>
+                        </a:solidFill>
+                        <a:latin typeface="Cambria Math" panose="02040503050406030204" pitchFamily="18" charset="0"/>
+                        <a:sym typeface="Symbol" charset="2"/>
+                      </a:rPr>
+                      <m:t>1</m:t>
+                    </m:r>
+                    <m:r>
+                      <a:rPr lang="en-US" i="1" dirty="0">
+                        <a:solidFill>
+                          <a:schemeClr val="accent2"/>
+                        </a:solidFill>
+                        <a:latin typeface="Cambria Math" panose="02040503050406030204" pitchFamily="18" charset="0"/>
+                        <a:sym typeface="Symbol" charset="2"/>
+                      </a:rPr>
+                      <m:t> , </m:t>
+                    </m:r>
+                    <m:r>
+                      <a:rPr lang="en-US" i="1" dirty="0">
+                        <a:solidFill>
+                          <a:schemeClr val="accent2"/>
+                        </a:solidFill>
+                        <a:latin typeface="Cambria Math" panose="02040503050406030204" pitchFamily="18" charset="0"/>
+                        <a:sym typeface="Symbol" charset="2"/>
+                      </a:rPr>
+                      <m:t>𝑅</m:t>
+                    </m:r>
+                    <m:r>
+                      <a:rPr lang="en-US" i="1" baseline="-25000" dirty="0">
+                        <a:solidFill>
+                          <a:schemeClr val="accent2"/>
+                        </a:solidFill>
+                        <a:latin typeface="Cambria Math" panose="02040503050406030204" pitchFamily="18" charset="0"/>
+                        <a:sym typeface="Symbol" charset="2"/>
+                      </a:rPr>
+                      <m:t>2 </m:t>
+                    </m:r>
+                    <m:r>
+                      <a:rPr lang="en-US" i="1" dirty="0">
+                        <a:solidFill>
+                          <a:schemeClr val="accent2"/>
+                        </a:solidFill>
+                        <a:latin typeface="Cambria Math" panose="02040503050406030204" pitchFamily="18" charset="0"/>
+                        <a:sym typeface="Symbol" charset="2"/>
+                      </a:rPr>
+                      <m:t>, …, </m:t>
+                    </m:r>
+                    <m:r>
+                      <a:rPr lang="en-US" i="1" dirty="0" err="1">
+                        <a:solidFill>
+                          <a:schemeClr val="accent2"/>
+                        </a:solidFill>
+                        <a:latin typeface="Cambria Math" panose="02040503050406030204" pitchFamily="18" charset="0"/>
+                        <a:sym typeface="Symbol" charset="2"/>
+                      </a:rPr>
+                      <m:t>𝑅</m:t>
+                    </m:r>
+                    <m:r>
+                      <a:rPr lang="en-US" i="1" baseline="-25000" dirty="0" err="1">
+                        <a:solidFill>
+                          <a:schemeClr val="accent2"/>
+                        </a:solidFill>
+                        <a:latin typeface="Cambria Math" panose="02040503050406030204" pitchFamily="18" charset="0"/>
+                        <a:sym typeface="Symbol" charset="2"/>
+                      </a:rPr>
+                      <m:t>𝑛</m:t>
+                    </m:r>
+                    <m:r>
+                      <a:rPr lang="en-US" i="1" dirty="0">
+                        <a:solidFill>
+                          <a:schemeClr val="accent2"/>
+                        </a:solidFill>
+                        <a:latin typeface="Cambria Math" panose="02040503050406030204" pitchFamily="18" charset="0"/>
+                        <a:sym typeface="Symbol" charset="2"/>
+                      </a:rPr>
+                      <m:t>,…}</m:t>
+                    </m:r>
+                  </m:oMath>
+                </a14:m>
+                <a:endParaRPr lang="en-US" dirty="0"/>
+              </a:p>
+              <a:p>
+                <a:r>
+                  <a:rPr lang="en-US" dirty="0"/>
+                  <a:t>Each regular language is an example of a (formal) language, i.e. a set of strings</a:t>
+                </a:r>
+              </a:p>
+              <a:p>
+                <a:pPr lvl="1">
+                  <a:buFontTx/>
+                  <a:buNone/>
+                </a:pPr>
+                <a:r>
+                  <a:rPr lang="en-US" dirty="0">
+                    <a:solidFill>
+                      <a:schemeClr val="accent2"/>
+                    </a:solidFill>
+                  </a:rPr>
+                  <a:t>e.g. </a:t>
+                </a:r>
+                <a14:m>
+                  <m:oMath xmlns:m="http://schemas.openxmlformats.org/officeDocument/2006/math">
+                    <m:r>
+                      <a:rPr lang="en-US" i="1" dirty="0" smtClean="0">
+                        <a:solidFill>
+                          <a:schemeClr val="accent2"/>
+                        </a:solidFill>
+                        <a:latin typeface="Cambria Math" panose="02040503050406030204" pitchFamily="18" charset="0"/>
+                      </a:rPr>
+                      <m:t>{</m:t>
+                    </m:r>
+                    <m:r>
+                      <a:rPr lang="en-US" i="1" dirty="0">
+                        <a:solidFill>
+                          <a:schemeClr val="accent2"/>
+                        </a:solidFill>
+                        <a:latin typeface="Cambria Math" panose="02040503050406030204" pitchFamily="18" charset="0"/>
+                        <a:sym typeface="Symbol" charset="2"/>
+                      </a:rPr>
+                      <m:t>𝑎</m:t>
+                    </m:r>
+                    <m:r>
+                      <a:rPr lang="en-US" b="0" i="1" baseline="30000" dirty="0" smtClean="0">
+                        <a:solidFill>
+                          <a:schemeClr val="accent2"/>
+                        </a:solidFill>
+                        <a:latin typeface="Cambria Math" panose="02040503050406030204" pitchFamily="18" charset="0"/>
+                        <a:sym typeface="Symbol" charset="2"/>
+                      </a:rPr>
+                      <m:t>𝑚</m:t>
+                    </m:r>
+                    <m:r>
+                      <a:rPr lang="en-US" b="0" i="1" dirty="0" smtClean="0">
+                        <a:solidFill>
+                          <a:schemeClr val="accent2"/>
+                        </a:solidFill>
+                        <a:latin typeface="Cambria Math" panose="02040503050406030204" pitchFamily="18" charset="0"/>
+                        <a:sym typeface="Symbol" charset="2"/>
+                      </a:rPr>
+                      <m:t>𝑏</m:t>
+                    </m:r>
+                    <m:r>
+                      <a:rPr lang="en-US" i="1" baseline="30000" dirty="0">
+                        <a:solidFill>
+                          <a:schemeClr val="accent2"/>
+                        </a:solidFill>
+                        <a:latin typeface="Cambria Math" panose="02040503050406030204" pitchFamily="18" charset="0"/>
+                        <a:sym typeface="Symbol" charset="2"/>
+                      </a:rPr>
+                      <m:t>𝑛</m:t>
+                    </m:r>
+                    <m:r>
+                      <a:rPr lang="en-US" i="1" dirty="0" smtClean="0">
+                        <a:solidFill>
+                          <a:schemeClr val="accent2"/>
+                        </a:solidFill>
+                        <a:latin typeface="Cambria Math" panose="02040503050406030204" pitchFamily="18" charset="0"/>
+                      </a:rPr>
+                      <m:t>: </m:t>
+                    </m:r>
+                    <m:r>
+                      <a:rPr lang="en-US" i="1" dirty="0" smtClean="0">
+                        <a:solidFill>
+                          <a:schemeClr val="accent2"/>
+                        </a:solidFill>
+                        <a:latin typeface="Cambria Math" panose="02040503050406030204" pitchFamily="18" charset="0"/>
+                      </a:rPr>
+                      <m:t>𝑚</m:t>
+                    </m:r>
+                    <m:r>
+                      <a:rPr lang="en-US" i="1" dirty="0" smtClean="0">
+                        <a:solidFill>
+                          <a:schemeClr val="accent2"/>
+                        </a:solidFill>
+                        <a:latin typeface="Cambria Math" panose="02040503050406030204" pitchFamily="18" charset="0"/>
+                      </a:rPr>
+                      <m:t> &gt;0, </m:t>
+                    </m:r>
+                    <m:r>
+                      <a:rPr lang="en-US" i="1" dirty="0" smtClean="0">
+                        <a:solidFill>
+                          <a:schemeClr val="accent2"/>
+                        </a:solidFill>
+                        <a:latin typeface="Cambria Math" panose="02040503050406030204" pitchFamily="18" charset="0"/>
+                      </a:rPr>
+                      <m:t>𝑛</m:t>
+                    </m:r>
+                    <m:r>
+                      <a:rPr lang="en-US" i="1" dirty="0" smtClean="0">
+                        <a:solidFill>
+                          <a:schemeClr val="accent2"/>
+                        </a:solidFill>
+                        <a:latin typeface="Cambria Math" panose="02040503050406030204" pitchFamily="18" charset="0"/>
+                      </a:rPr>
+                      <m:t>&gt;0 }</m:t>
+                    </m:r>
+                  </m:oMath>
+                </a14:m>
+                <a:endParaRPr lang="en-US" sz="1800" baseline="30000" dirty="0">
+                  <a:sym typeface="Symbol" charset="2"/>
+                </a:endParaRPr>
+              </a:p>
+            </p:txBody>
+          </p:sp>
+        </mc:Choice>
+        <mc:Fallback xmlns="">
+          <p:sp>
+            <p:nvSpPr>
+              <p:cNvPr id="118787" name="Rectangle 3"/>
+              <p:cNvSpPr>
+                <a:spLocks noGrp="1" noRot="1" noChangeAspect="1" noMove="1" noResize="1" noEditPoints="1" noAdjustHandles="1" noChangeArrowheads="1" noChangeShapeType="1" noTextEdit="1"/>
+              </p:cNvSpPr>
+              <p:nvPr>
+                <p:ph idx="1"/>
+              </p:nvPr>
+            </p:nvSpPr>
+            <p:spPr>
+              <a:blipFill>
+                <a:blip r:embed="rId3"/>
+                <a:stretch>
+                  <a:fillRect l="-644" t="-2734"/>
+                </a:stretch>
+              </a:blipFill>
+            </p:spPr>
+            <p:txBody>
+              <a:bodyPr/>
+              <a:lstStyle/>
+              <a:p>
+                <a:r>
+                  <a:rPr lang="en-US">
+                    <a:noFill/>
+                  </a:rPr>
+                  <a:t> </a:t>
+                </a:r>
+              </a:p>
+            </p:txBody>
+          </p:sp>
+        </mc:Fallback>
+      </mc:AlternateContent>
+      <p:sp>
+        <p:nvSpPr>
+          <p:cNvPr id="5" name="Slide Number Placeholder 5"/>
+          <p:cNvSpPr>
+            <a:spLocks noGrp="1"/>
+          </p:cNvSpPr>
+          <p:nvPr>
+            <p:ph type="sldNum" sz="quarter" idx="12"/>
+          </p:nvPr>
+        </p:nvSpPr>
+        <p:spPr/>
+        <p:txBody>
+          <a:bodyPr/>
+          <a:lstStyle/>
+          <a:p>
+            <a:fld id="{6AA82936-250C-DF4C-AF7C-1FB0304B67D6}" type="slidenum">
+              <a:rPr lang="en-US"/>
+              <a:pPr/>
+              <a:t>13</a:t>
+            </a:fld>
+            <a:endParaRPr lang="en-US"/>
+          </a:p>
+        </p:txBody>
+      </p:sp>
+    </p:spTree>
+  </p:cSld>
+  <p:clrMapOvr>
+    <a:masterClrMapping/>
+  </p:clrMapOvr>
+  <p:timing>
+    <p:tnLst>
+      <p:par>
+        <p:cTn id="1" dur="indefinite" restart="never" nodeType="tmRoot">
+          <p:childTnLst>
+            <p:seq concurrent="1" nextAc="seek">
+              <p:cTn id="2" dur="indefinite" nodeType="mainSeq">
+                <p:childTnLst>
+                  <p:par>
+                    <p:cTn id="3" fill="hold">
+                      <p:stCondLst>
+                        <p:cond delay="indefinite"/>
+                      </p:stCondLst>
+                      <p:childTnLst>
+                        <p:par>
+                          <p:cTn id="4" fill="hold">
+                            <p:stCondLst>
+                              <p:cond delay="0"/>
+                            </p:stCondLst>
+                            <p:childTnLst>
+                              <p:par>
+                                <p:cTn id="5" presetID="1" presetClass="entr" presetSubtype="0" fill="hold" grpId="0" nodeType="clickEffect">
+                                  <p:stCondLst>
+                                    <p:cond delay="0"/>
+                                  </p:stCondLst>
+                                  <p:childTnLst>
+                                    <p:set>
+                                      <p:cBhvr>
+                                        <p:cTn id="6" dur="1" fill="hold">
+                                          <p:stCondLst>
+                                            <p:cond delay="0"/>
+                                          </p:stCondLst>
+                                        </p:cTn>
+                                        <p:tgtEl>
+                                          <p:spTgt spid="118787">
+                                            <p:txEl>
+                                              <p:pRg st="0" end="0"/>
+                                            </p:txEl>
+                                          </p:spTgt>
+                                        </p:tgtEl>
+                                        <p:attrNameLst>
+                                          <p:attrName>style.visibility</p:attrName>
+                                        </p:attrNameLst>
+                                      </p:cBhvr>
+                                      <p:to>
+                                        <p:strVal val="visible"/>
+                                      </p:to>
+                                    </p:set>
+                                  </p:childTnLst>
+                                </p:cTn>
+                              </p:par>
+                              <p:par>
+                                <p:cTn id="7" presetID="1" presetClass="entr" presetSubtype="0" fill="hold" grpId="0" nodeType="withEffect">
+                                  <p:stCondLst>
+                                    <p:cond delay="0"/>
+                                  </p:stCondLst>
+                                  <p:childTnLst>
+                                    <p:set>
+                                      <p:cBhvr>
+                                        <p:cTn id="8" dur="1" fill="hold">
+                                          <p:stCondLst>
+                                            <p:cond delay="0"/>
+                                          </p:stCondLst>
+                                        </p:cTn>
+                                        <p:tgtEl>
+                                          <p:spTgt spid="118787">
+                                            <p:txEl>
+                                              <p:pRg st="1" end="1"/>
+                                            </p:txEl>
+                                          </p:spTgt>
+                                        </p:tgtEl>
+                                        <p:attrNameLst>
+                                          <p:attrName>style.visibility</p:attrName>
+                                        </p:attrNameLst>
+                                      </p:cBhvr>
+                                      <p:to>
+                                        <p:strVal val="visible"/>
+                                      </p:to>
+                                    </p:set>
+                                  </p:childTnLst>
+                                </p:cTn>
+                              </p:par>
+                            </p:childTnLst>
+                          </p:cTn>
+                        </p:par>
+                      </p:childTnLst>
+                    </p:cTn>
+                  </p:par>
+                  <p:par>
+                    <p:cTn id="9" fill="hold">
+                      <p:stCondLst>
+                        <p:cond delay="indefinite"/>
+                      </p:stCondLst>
+                      <p:childTnLst>
+                        <p:par>
+                          <p:cTn id="10" fill="hold">
+                            <p:stCondLst>
+                              <p:cond delay="0"/>
+                            </p:stCondLst>
+                            <p:childTnLst>
+                              <p:par>
+                                <p:cTn id="11" presetID="1" presetClass="entr" presetSubtype="0" fill="hold" grpId="0" nodeType="clickEffect">
+                                  <p:stCondLst>
+                                    <p:cond delay="0"/>
+                                  </p:stCondLst>
+                                  <p:childTnLst>
+                                    <p:set>
+                                      <p:cBhvr>
+                                        <p:cTn id="12" dur="1" fill="hold">
+                                          <p:stCondLst>
+                                            <p:cond delay="0"/>
+                                          </p:stCondLst>
+                                        </p:cTn>
+                                        <p:tgtEl>
+                                          <p:spTgt spid="118787">
+                                            <p:txEl>
+                                              <p:pRg st="2" end="2"/>
+                                            </p:txEl>
+                                          </p:spTgt>
+                                        </p:tgtEl>
+                                        <p:attrNameLst>
+                                          <p:attrName>style.visibility</p:attrName>
+                                        </p:attrNameLst>
+                                      </p:cBhvr>
+                                      <p:to>
+                                        <p:strVal val="visible"/>
+                                      </p:to>
+                                    </p:set>
+                                  </p:childTnLst>
+                                </p:cTn>
+                              </p:par>
+                              <p:par>
+                                <p:cTn id="13" presetID="1" presetClass="entr" presetSubtype="0" fill="hold" grpId="0" nodeType="withEffect">
+                                  <p:stCondLst>
+                                    <p:cond delay="0"/>
+                                  </p:stCondLst>
+                                  <p:childTnLst>
+                                    <p:set>
+                                      <p:cBhvr>
+                                        <p:cTn id="14" dur="1" fill="hold">
+                                          <p:stCondLst>
+                                            <p:cond delay="0"/>
+                                          </p:stCondLst>
+                                        </p:cTn>
+                                        <p:tgtEl>
+                                          <p:spTgt spid="118787">
+                                            <p:txEl>
+                                              <p:pRg st="3" end="3"/>
+                                            </p:txEl>
+                                          </p:spTgt>
+                                        </p:tgtEl>
+                                        <p:attrNameLst>
+                                          <p:attrName>style.visibility</p:attrName>
+                                        </p:attrNameLst>
+                                      </p:cBhvr>
+                                      <p:to>
+                                        <p:strVal val="visible"/>
+                                      </p:to>
+                                    </p:set>
+                                  </p:childTnLst>
+                                </p:cTn>
+                              </p:par>
+                            </p:childTnLst>
+                          </p:cTn>
+                        </p:par>
+                      </p:childTnLst>
+                    </p:cTn>
+                  </p:par>
+                </p:childTnLst>
+              </p:cTn>
+              <p:prevCondLst>
+                <p:cond evt="onPrev" delay="0">
+                  <p:tgtEl>
+                    <p:sldTgt/>
+                  </p:tgtEl>
+                </p:cond>
+              </p:prevCondLst>
+              <p:nextCondLst>
+                <p:cond evt="onNext" delay="0">
+                  <p:tgtEl>
+                    <p:sldTgt/>
+                  </p:tgtEl>
+                </p:cond>
+              </p:nextCondLst>
+            </p:seq>
+          </p:childTnLst>
+        </p:cTn>
+      </p:par>
+    </p:tnLst>
+    <p:bldLst>
+      <p:bldP spid="118787" grpId="0" build="p"/>
+    </p:bldLst>
+  </p:timing>
+</p:sld>
+</file>
+
+<file path=ppt/slides/slide14.xml><?xml version="1.0" encoding="utf-8"?>
+<p:sld xmlns:a="http://schemas.openxmlformats.org/drawingml/2006/main" xmlns:r="http://schemas.openxmlformats.org/officeDocument/2006/relationships" xmlns:p="http://schemas.openxmlformats.org/presentationml/2006/main">
+  <p:cSld>
+    <p:spTree>
+      <p:nvGrpSpPr>
+        <p:cNvPr id="1" name=""/>
+        <p:cNvGrpSpPr/>
+        <p:nvPr/>
+      </p:nvGrpSpPr>
+      <p:grpSpPr>
+        <a:xfrm>
+          <a:off x="0" y="0"/>
+          <a:ext cx="0" cy="0"/>
+          <a:chOff x="0" y="0"/>
+          <a:chExt cx="0" cy="0"/>
+        </a:xfrm>
+      </p:grpSpPr>
+      <p:sp>
+        <p:nvSpPr>
           <p:cNvPr id="122882" name="Rectangle 2"/>
           <p:cNvSpPr>
             <a:spLocks noGrp="1" noChangeArrowheads="1"/>
@@ -9154,7 +9709,7 @@
             </a:pPr>
             <a:r>
               <a:rPr lang="en-US" sz="1800" dirty="0"/>
-              <a:t>e.g. integers can be defined as the pattern </a:t>
+              <a:t>e.g. Python integers are defined as the pattern </a:t>
             </a:r>
             <a:r>
               <a:rPr lang="en-US" sz="1800" dirty="0">
@@ -9184,7 +9739,7 @@
             <a:fld id="{0B5E792C-BABC-FE4A-A4CD-29597BCC20BC}" type="slidenum">
               <a:rPr lang="en-US"/>
               <a:pPr/>
-              <a:t>13</a:t>
+              <a:t>14</a:t>
             </a:fld>
             <a:endParaRPr lang="en-US"/>
           </a:p>
@@ -9636,7 +10191,7 @@
 </p:sld>
 </file>
 
-<file path=ppt/slides/slide14.xml><?xml version="1.0" encoding="utf-8"?>
+<file path=ppt/slides/slide15.xml><?xml version="1.0" encoding="utf-8"?>
 <p:sld xmlns:a="http://schemas.openxmlformats.org/drawingml/2006/main" xmlns:r="http://schemas.openxmlformats.org/officeDocument/2006/relationships" xmlns:p="http://schemas.openxmlformats.org/presentationml/2006/main" showMasterPhAnim="0">
   <p:cSld>
     <p:spTree>
@@ -9675,8 +10230,8 @@
           </a:p>
         </p:txBody>
       </p:sp>
-      <mc:AlternateContent xmlns:mc="http://schemas.openxmlformats.org/markup-compatibility/2006">
-        <mc:Choice xmlns:a14="http://schemas.microsoft.com/office/drawing/2010/main" Requires="a14">
+      <mc:AlternateContent xmlns:mc="http://schemas.openxmlformats.org/markup-compatibility/2006" xmlns:a14="http://schemas.microsoft.com/office/drawing/2010/main">
+        <mc:Choice Requires="a14">
           <p:sp>
             <p:nvSpPr>
               <p:cNvPr id="59395" name="Rectangle 3"/>
@@ -9791,12 +10346,12 @@
                   <a:t> then </a:t>
                 </a:r>
                 <a:r>
-                  <a:rPr lang="en-US" sz="2100" dirty="0">
+                  <a:rPr lang="en-US" sz="2100" dirty="0" err="1">
                     <a:latin typeface="Consolas" panose="020B0609020204030204" pitchFamily="49" charset="0"/>
                     <a:cs typeface="Consolas" panose="020B0609020204030204" pitchFamily="49" charset="0"/>
                     <a:sym typeface="Symbol" charset="2"/>
                   </a:rPr>
-                  <a:t>a, b</a:t>
+                  <a:t>a,b</a:t>
                 </a:r>
                 <a:r>
                   <a:rPr lang="en-US" sz="2100" dirty="0">
@@ -10134,7 +10689,7 @@
             </p:txBody>
           </p:sp>
         </mc:Choice>
-        <mc:Fallback>
+        <mc:Fallback xmlns="">
           <p:sp>
             <p:nvSpPr>
               <p:cNvPr id="59395" name="Rectangle 3"/>
@@ -10186,7 +10741,7 @@
             <a:fld id="{D92E9D29-7126-C045-8119-17019F72B994}" type="slidenum">
               <a:rPr lang="en-US"/>
               <a:pPr/>
-              <a:t>14</a:t>
+              <a:t>15</a:t>
             </a:fld>
             <a:endParaRPr lang="en-US"/>
           </a:p>
@@ -10553,7 +11108,7 @@
 </p:sld>
 </file>
 
-<file path=ppt/slides/slide15.xml><?xml version="1.0" encoding="utf-8"?>
+<file path=ppt/slides/slide16.xml><?xml version="1.0" encoding="utf-8"?>
 <p:sld xmlns:a="http://schemas.openxmlformats.org/drawingml/2006/main" xmlns:r="http://schemas.openxmlformats.org/officeDocument/2006/relationships" xmlns:p="http://schemas.openxmlformats.org/presentationml/2006/main">
   <p:cSld>
     <p:spTree>
@@ -10588,7 +11143,7 @@
             <a:fld id="{52F7C2A6-1B2F-354C-B6BE-A67494F703AC}" type="slidenum">
               <a:rPr lang="en-US" smtClean="0"/>
               <a:pPr/>
-              <a:t>15</a:t>
+              <a:t>16</a:t>
             </a:fld>
             <a:endParaRPr lang="en-US"/>
           </a:p>
@@ -10628,8 +11183,8 @@
           </a:p>
         </p:txBody>
       </p:sp>
-      <mc:AlternateContent xmlns:mc="http://schemas.openxmlformats.org/markup-compatibility/2006">
-        <mc:Choice xmlns:a14="http://schemas.microsoft.com/office/drawing/2010/main" Requires="a14">
+      <mc:AlternateContent xmlns:mc="http://schemas.openxmlformats.org/markup-compatibility/2006" xmlns:a14="http://schemas.microsoft.com/office/drawing/2010/main">
+        <mc:Choice Requires="a14">
           <p:graphicFrame>
             <p:nvGraphicFramePr>
               <p:cNvPr id="309383" name="Group 135"/>
@@ -10639,7 +11194,7 @@
               <p:nvPr>
                 <p:extLst>
                   <p:ext uri="{D42A27DB-BD31-4B8C-83A1-F6EECF244321}">
-                    <p14:modId xmlns:p14="http://schemas.microsoft.com/office/powerpoint/2010/main" val="1386507808"/>
+                    <p14:modId xmlns:p14="http://schemas.microsoft.com/office/powerpoint/2010/main" val="4191661335"/>
                   </p:ext>
                 </p:extLst>
               </p:nvPr>
@@ -14948,7 +15503,33 @@
                                     <a:effectLst/>
                                     <a:latin typeface="Cambria Math" panose="02040503050406030204" pitchFamily="18" charset="0"/>
                                   </a:rPr>
-                                  <m:t>|)</m:t>
+                                  <m:t>|</m:t>
+                                </m:r>
+                                <m:r>
+                                  <a:rPr kumimoji="0" lang="en-US" sz="1200" b="0" i="1" u="none" strike="noStrike" cap="none" normalizeH="0" baseline="0" dirty="0" smtClean="0">
+                                    <a:ln>
+                                      <a:noFill/>
+                                    </a:ln>
+                                    <a:solidFill>
+                                      <a:schemeClr val="tx1"/>
+                                    </a:solidFill>
+                                    <a:effectLst/>
+                                    <a:latin typeface="Cambria Math" panose="02040503050406030204" pitchFamily="18" charset="0"/>
+                                  </a:rPr>
+                                  <m:t>𝜀</m:t>
+                                </m:r>
+                                <m:r>
+                                  <a:rPr kumimoji="0" lang="en-US" sz="1200" b="0" i="1" u="none" strike="noStrike" cap="none" normalizeH="0" baseline="0" dirty="0" smtClean="0">
+                                    <a:ln>
+                                      <a:noFill/>
+                                    </a:ln>
+                                    <a:solidFill>
+                                      <a:schemeClr val="tx1"/>
+                                    </a:solidFill>
+                                    <a:effectLst/>
+                                    <a:latin typeface="Cambria Math" panose="02040503050406030204" pitchFamily="18" charset="0"/>
+                                  </a:rPr>
+                                  <m:t>)</m:t>
                                 </m:r>
                               </m:oMath>
                             </m:oMathPara>
@@ -17074,7 +17655,7 @@
             </a:graphic>
           </p:graphicFrame>
         </mc:Choice>
-        <mc:Fallback>
+        <mc:Fallback xmlns="">
           <p:graphicFrame>
             <p:nvGraphicFramePr>
               <p:cNvPr id="309383" name="Group 135"/>
@@ -17084,7 +17665,7 @@
               <p:nvPr>
                 <p:extLst>
                   <p:ext uri="{D42A27DB-BD31-4B8C-83A1-F6EECF244321}">
-                    <p14:modId xmlns:p14="http://schemas.microsoft.com/office/powerpoint/2010/main" val="1386507808"/>
+                    <p14:modId xmlns:p14="http://schemas.microsoft.com/office/powerpoint/2010/main" val="4191661335"/>
                   </p:ext>
                 </p:extLst>
               </p:nvPr>
@@ -23314,6 +23895,550 @@
   <p:clrMapOvr>
     <a:masterClrMapping/>
   </p:clrMapOvr>
+</p:sld>
+</file>
+
+<file path=ppt/slides/slide17.xml><?xml version="1.0" encoding="utf-8"?>
+<p:sld xmlns:a="http://schemas.openxmlformats.org/drawingml/2006/main" xmlns:r="http://schemas.openxmlformats.org/officeDocument/2006/relationships" xmlns:p="http://schemas.openxmlformats.org/presentationml/2006/main" showMasterPhAnim="0">
+  <p:cSld>
+    <p:spTree>
+      <p:nvGrpSpPr>
+        <p:cNvPr id="1" name=""/>
+        <p:cNvGrpSpPr/>
+        <p:nvPr/>
+      </p:nvGrpSpPr>
+      <p:grpSpPr>
+        <a:xfrm>
+          <a:off x="0" y="0"/>
+          <a:ext cx="0" cy="0"/>
+          <a:chOff x="0" y="0"/>
+          <a:chExt cx="0" cy="0"/>
+        </a:xfrm>
+      </p:grpSpPr>
+      <p:sp>
+        <p:nvSpPr>
+          <p:cNvPr id="56322" name="Rectangle 2"/>
+          <p:cNvSpPr>
+            <a:spLocks noGrp="1" noChangeArrowheads="1"/>
+          </p:cNvSpPr>
+          <p:nvPr>
+            <p:ph type="title"/>
+          </p:nvPr>
+        </p:nvSpPr>
+        <p:spPr/>
+        <p:txBody>
+          <a:bodyPr/>
+          <a:lstStyle/>
+          <a:p>
+            <a:r>
+              <a:rPr lang="en-US" dirty="0"/>
+              <a:t>Limitations(?) of Regular Expressions</a:t>
+            </a:r>
+          </a:p>
+        </p:txBody>
+      </p:sp>
+      <p:sp>
+        <p:nvSpPr>
+          <p:cNvPr id="56323" name="Rectangle 3"/>
+          <p:cNvSpPr>
+            <a:spLocks noGrp="1" noChangeArrowheads="1"/>
+          </p:cNvSpPr>
+          <p:nvPr>
+            <p:ph idx="1"/>
+          </p:nvPr>
+        </p:nvSpPr>
+        <p:spPr>
+          <a:xfrm>
+            <a:off x="628650" y="1369220"/>
+            <a:ext cx="7886700" cy="988970"/>
+          </a:xfrm>
+        </p:spPr>
+        <p:txBody>
+          <a:bodyPr>
+            <a:normAutofit/>
+          </a:bodyPr>
+          <a:lstStyle/>
+          <a:p>
+            <a:pPr>
+              <a:lnSpc>
+                <a:spcPct val="90000"/>
+              </a:lnSpc>
+            </a:pPr>
+            <a:r>
+              <a:rPr lang="en-US" dirty="0" err="1"/>
+              <a:t>Regexps</a:t>
+            </a:r>
+            <a:r>
+              <a:rPr lang="en-US" dirty="0"/>
+              <a:t> can be used only if the language definition is sane</a:t>
+            </a:r>
+          </a:p>
+          <a:p>
+            <a:pPr lvl="1"/>
+            <a:r>
+              <a:rPr lang="en-US" dirty="0"/>
+              <a:t>Should not permit crazy long-distance effects (e.g. Fortran)</a:t>
+            </a:r>
+          </a:p>
+        </p:txBody>
+      </p:sp>
+      <p:sp>
+        <p:nvSpPr>
+          <p:cNvPr id="6" name="Slide Number Placeholder 5"/>
+          <p:cNvSpPr>
+            <a:spLocks noGrp="1"/>
+          </p:cNvSpPr>
+          <p:nvPr>
+            <p:ph type="sldNum" sz="quarter" idx="12"/>
+          </p:nvPr>
+        </p:nvSpPr>
+        <p:spPr/>
+        <p:txBody>
+          <a:bodyPr/>
+          <a:lstStyle/>
+          <a:p>
+            <a:fld id="{4C044EDD-B4B6-9049-AEBA-09F31237F71C}" type="slidenum">
+              <a:rPr lang="en-US"/>
+              <a:pPr/>
+              <a:t>17</a:t>
+            </a:fld>
+            <a:endParaRPr lang="en-US"/>
+          </a:p>
+        </p:txBody>
+      </p:sp>
+      <p:grpSp>
+        <p:nvGrpSpPr>
+          <p:cNvPr id="8" name="Group 7">
+            <a:extLst>
+              <a:ext uri="{FF2B5EF4-FFF2-40B4-BE49-F238E27FC236}">
+                <a16:creationId xmlns:a16="http://schemas.microsoft.com/office/drawing/2014/main" id="{B6D4DC19-FE9F-C343-BDAE-6CF7822945C4}"/>
+              </a:ext>
+            </a:extLst>
+          </p:cNvPr>
+          <p:cNvGrpSpPr/>
+          <p:nvPr/>
+        </p:nvGrpSpPr>
+        <p:grpSpPr>
+          <a:xfrm>
+            <a:off x="628650" y="2348841"/>
+            <a:ext cx="6071182" cy="706096"/>
+            <a:chOff x="3203848" y="253778"/>
+            <a:chExt cx="6071182" cy="706096"/>
+          </a:xfrm>
+        </p:grpSpPr>
+        <p:sp>
+          <p:nvSpPr>
+            <p:cNvPr id="3" name="TextBox 2">
+              <a:extLst>
+                <a:ext uri="{FF2B5EF4-FFF2-40B4-BE49-F238E27FC236}">
+                  <a16:creationId xmlns:a16="http://schemas.microsoft.com/office/drawing/2014/main" id="{F05BD96A-2DC3-E240-A2DC-6E8ED59ADD43}"/>
+                </a:ext>
+              </a:extLst>
+            </p:cNvPr>
+            <p:cNvSpPr txBox="1"/>
+            <p:nvPr/>
+          </p:nvSpPr>
+          <p:spPr>
+            <a:xfrm>
+              <a:off x="3203848" y="253778"/>
+              <a:ext cx="1531188" cy="338554"/>
+            </a:xfrm>
+            <a:prstGeom prst="rect">
+              <a:avLst/>
+            </a:prstGeom>
+            <a:noFill/>
+          </p:spPr>
+          <p:txBody>
+            <a:bodyPr wrap="none" rtlCol="0">
+              <a:spAutoFit/>
+            </a:bodyPr>
+            <a:lstStyle/>
+            <a:p>
+              <a:r>
+                <a:rPr lang="en-US" sz="1600" dirty="0">
+                  <a:latin typeface="Consolas" panose="020B0609020204030204" pitchFamily="49" charset="0"/>
+                  <a:cs typeface="Consolas" panose="020B0609020204030204" pitchFamily="49" charset="0"/>
+                </a:rPr>
+                <a:t>DO 5 I = 1,5</a:t>
+              </a:r>
+            </a:p>
+          </p:txBody>
+        </p:sp>
+        <p:sp>
+          <p:nvSpPr>
+            <p:cNvPr id="5" name="TextBox 4">
+              <a:extLst>
+                <a:ext uri="{FF2B5EF4-FFF2-40B4-BE49-F238E27FC236}">
+                  <a16:creationId xmlns:a16="http://schemas.microsoft.com/office/drawing/2014/main" id="{DE1B3865-7A91-B542-9102-840FF89932BB}"/>
+                </a:ext>
+              </a:extLst>
+            </p:cNvPr>
+            <p:cNvSpPr txBox="1"/>
+            <p:nvPr/>
+          </p:nvSpPr>
+          <p:spPr>
+            <a:xfrm>
+              <a:off x="5148064" y="269227"/>
+              <a:ext cx="3326552" cy="338554"/>
+            </a:xfrm>
+            <a:prstGeom prst="rect">
+              <a:avLst/>
+            </a:prstGeom>
+            <a:noFill/>
+          </p:spPr>
+          <p:txBody>
+            <a:bodyPr wrap="none" rtlCol="0">
+              <a:spAutoFit/>
+            </a:bodyPr>
+            <a:lstStyle/>
+            <a:p>
+              <a:r>
+                <a:rPr lang="en-US" sz="1600" dirty="0">
+                  <a:latin typeface="Consolas" panose="020B0609020204030204" pitchFamily="49" charset="0"/>
+                  <a:cs typeface="Consolas" panose="020B0609020204030204" pitchFamily="49" charset="0"/>
+                </a:rPr>
+                <a:t>T_DO T_INT(5) T_ID(I) T_EQ …</a:t>
+              </a:r>
+            </a:p>
+          </p:txBody>
+        </p:sp>
+        <p:sp>
+          <p:nvSpPr>
+            <p:cNvPr id="10" name="TextBox 9">
+              <a:extLst>
+                <a:ext uri="{FF2B5EF4-FFF2-40B4-BE49-F238E27FC236}">
+                  <a16:creationId xmlns:a16="http://schemas.microsoft.com/office/drawing/2014/main" id="{1783386B-3B3A-A142-BAFE-017A27EE327D}"/>
+                </a:ext>
+              </a:extLst>
+            </p:cNvPr>
+            <p:cNvSpPr txBox="1"/>
+            <p:nvPr/>
+          </p:nvSpPr>
+          <p:spPr>
+            <a:xfrm>
+              <a:off x="3203848" y="621320"/>
+              <a:ext cx="1531188" cy="338554"/>
+            </a:xfrm>
+            <a:prstGeom prst="rect">
+              <a:avLst/>
+            </a:prstGeom>
+            <a:noFill/>
+          </p:spPr>
+          <p:txBody>
+            <a:bodyPr wrap="none" rtlCol="0">
+              <a:spAutoFit/>
+            </a:bodyPr>
+            <a:lstStyle/>
+            <a:p>
+              <a:r>
+                <a:rPr lang="en-US" sz="1600" dirty="0">
+                  <a:latin typeface="Consolas" panose="020B0609020204030204" pitchFamily="49" charset="0"/>
+                  <a:cs typeface="Consolas" panose="020B0609020204030204" pitchFamily="49" charset="0"/>
+                </a:rPr>
+                <a:t>DO 5 I = 1.5</a:t>
+              </a:r>
+            </a:p>
+          </p:txBody>
+        </p:sp>
+        <p:sp>
+          <p:nvSpPr>
+            <p:cNvPr id="11" name="TextBox 10">
+              <a:extLst>
+                <a:ext uri="{FF2B5EF4-FFF2-40B4-BE49-F238E27FC236}">
+                  <a16:creationId xmlns:a16="http://schemas.microsoft.com/office/drawing/2014/main" id="{3052FAE7-BA3E-5843-B381-0FB8947B2A59}"/>
+                </a:ext>
+              </a:extLst>
+            </p:cNvPr>
+            <p:cNvSpPr txBox="1"/>
+            <p:nvPr/>
+          </p:nvSpPr>
+          <p:spPr>
+            <a:xfrm>
+              <a:off x="5163007" y="621320"/>
+              <a:ext cx="4112023" cy="338554"/>
+            </a:xfrm>
+            <a:prstGeom prst="rect">
+              <a:avLst/>
+            </a:prstGeom>
+            <a:noFill/>
+          </p:spPr>
+          <p:txBody>
+            <a:bodyPr wrap="none" rtlCol="0">
+              <a:spAutoFit/>
+            </a:bodyPr>
+            <a:lstStyle/>
+            <a:p>
+              <a:r>
+                <a:rPr lang="en-US" sz="1600" dirty="0">
+                  <a:latin typeface="Consolas" panose="020B0609020204030204" pitchFamily="49" charset="0"/>
+                  <a:cs typeface="Consolas" panose="020B0609020204030204" pitchFamily="49" charset="0"/>
+                </a:rPr>
+                <a:t>T_ID(DO 5 I) T_EQ T_FLOATCONST(1.5)</a:t>
+              </a:r>
+            </a:p>
+          </p:txBody>
+        </p:sp>
+        <p:sp>
+          <p:nvSpPr>
+            <p:cNvPr id="7" name="Right Arrow 6">
+              <a:extLst>
+                <a:ext uri="{FF2B5EF4-FFF2-40B4-BE49-F238E27FC236}">
+                  <a16:creationId xmlns:a16="http://schemas.microsoft.com/office/drawing/2014/main" id="{8C1A0AD1-8E45-C14E-A641-7E4BE85EF9F4}"/>
+                </a:ext>
+              </a:extLst>
+            </p:cNvPr>
+            <p:cNvSpPr/>
+            <p:nvPr/>
+          </p:nvSpPr>
+          <p:spPr>
+            <a:xfrm>
+              <a:off x="4842050" y="353865"/>
+              <a:ext cx="216024" cy="169277"/>
+            </a:xfrm>
+            <a:prstGeom prst="rightArrow">
+              <a:avLst/>
+            </a:prstGeom>
+          </p:spPr>
+          <p:style>
+            <a:lnRef idx="2">
+              <a:schemeClr val="accent1">
+                <a:shade val="50000"/>
+              </a:schemeClr>
+            </a:lnRef>
+            <a:fillRef idx="1">
+              <a:schemeClr val="accent1"/>
+            </a:fillRef>
+            <a:effectRef idx="0">
+              <a:schemeClr val="accent1"/>
+            </a:effectRef>
+            <a:fontRef idx="minor">
+              <a:schemeClr val="lt1"/>
+            </a:fontRef>
+          </p:style>
+          <p:txBody>
+            <a:bodyPr rtlCol="0" anchor="ctr"/>
+            <a:lstStyle/>
+            <a:p>
+              <a:pPr algn="ctr"/>
+              <a:endParaRPr lang="en-US"/>
+            </a:p>
+          </p:txBody>
+        </p:sp>
+        <p:sp>
+          <p:nvSpPr>
+            <p:cNvPr id="13" name="Right Arrow 12">
+              <a:extLst>
+                <a:ext uri="{FF2B5EF4-FFF2-40B4-BE49-F238E27FC236}">
+                  <a16:creationId xmlns:a16="http://schemas.microsoft.com/office/drawing/2014/main" id="{45FEE82B-6B30-E24B-958E-B03399165166}"/>
+                </a:ext>
+              </a:extLst>
+            </p:cNvPr>
+            <p:cNvSpPr/>
+            <p:nvPr/>
+          </p:nvSpPr>
+          <p:spPr>
+            <a:xfrm>
+              <a:off x="4839833" y="705958"/>
+              <a:ext cx="216024" cy="169277"/>
+            </a:xfrm>
+            <a:prstGeom prst="rightArrow">
+              <a:avLst/>
+            </a:prstGeom>
+          </p:spPr>
+          <p:style>
+            <a:lnRef idx="2">
+              <a:schemeClr val="accent1">
+                <a:shade val="50000"/>
+              </a:schemeClr>
+            </a:lnRef>
+            <a:fillRef idx="1">
+              <a:schemeClr val="accent1"/>
+            </a:fillRef>
+            <a:effectRef idx="0">
+              <a:schemeClr val="accent1"/>
+            </a:effectRef>
+            <a:fontRef idx="minor">
+              <a:schemeClr val="lt1"/>
+            </a:fontRef>
+          </p:style>
+          <p:txBody>
+            <a:bodyPr rtlCol="0" anchor="ctr"/>
+            <a:lstStyle/>
+            <a:p>
+              <a:pPr algn="ctr"/>
+              <a:endParaRPr lang="en-US"/>
+            </a:p>
+          </p:txBody>
+        </p:sp>
+      </p:grpSp>
+    </p:spTree>
+    <p:extLst>
+      <p:ext uri="{BB962C8B-B14F-4D97-AF65-F5344CB8AC3E}">
+        <p14:creationId xmlns:p14="http://schemas.microsoft.com/office/powerpoint/2010/main" val="3246164142"/>
+      </p:ext>
+    </p:extLst>
+  </p:cSld>
+  <p:clrMapOvr>
+    <a:masterClrMapping/>
+  </p:clrMapOvr>
+  <p:timing>
+    <p:tnLst>
+      <p:par>
+        <p:cTn id="1" dur="indefinite" restart="never" nodeType="tmRoot">
+          <p:childTnLst>
+            <p:seq concurrent="1" nextAc="seek">
+              <p:cTn id="2" dur="indefinite" nodeType="mainSeq">
+                <p:childTnLst>
+                  <p:par>
+                    <p:cTn id="3" fill="hold">
+                      <p:stCondLst>
+                        <p:cond delay="indefinite"/>
+                      </p:stCondLst>
+                      <p:childTnLst>
+                        <p:par>
+                          <p:cTn id="4" fill="hold">
+                            <p:stCondLst>
+                              <p:cond delay="0"/>
+                            </p:stCondLst>
+                            <p:childTnLst>
+                              <p:par>
+                                <p:cTn id="5" presetID="1" presetClass="entr" presetSubtype="0" fill="hold" grpId="0" nodeType="clickEffect">
+                                  <p:stCondLst>
+                                    <p:cond delay="0"/>
+                                  </p:stCondLst>
+                                  <p:childTnLst>
+                                    <p:set>
+                                      <p:cBhvr>
+                                        <p:cTn id="6" dur="1" fill="hold">
+                                          <p:stCondLst>
+                                            <p:cond delay="499"/>
+                                          </p:stCondLst>
+                                        </p:cTn>
+                                        <p:tgtEl>
+                                          <p:spTgt spid="56323">
+                                            <p:txEl>
+                                              <p:pRg st="0" end="0"/>
+                                            </p:txEl>
+                                          </p:spTgt>
+                                        </p:tgtEl>
+                                        <p:attrNameLst>
+                                          <p:attrName>style.visibility</p:attrName>
+                                        </p:attrNameLst>
+                                      </p:cBhvr>
+                                      <p:to>
+                                        <p:strVal val="visible"/>
+                                      </p:to>
+                                    </p:set>
+                                  </p:childTnLst>
+                                </p:cTn>
+                              </p:par>
+                              <p:par>
+                                <p:cTn id="7" presetID="1" presetClass="entr" presetSubtype="0" fill="hold" grpId="0" nodeType="withEffect">
+                                  <p:stCondLst>
+                                    <p:cond delay="0"/>
+                                  </p:stCondLst>
+                                  <p:childTnLst>
+                                    <p:set>
+                                      <p:cBhvr>
+                                        <p:cTn id="8" dur="1" fill="hold">
+                                          <p:stCondLst>
+                                            <p:cond delay="499"/>
+                                          </p:stCondLst>
+                                        </p:cTn>
+                                        <p:tgtEl>
+                                          <p:spTgt spid="56323">
+                                            <p:txEl>
+                                              <p:pRg st="1" end="1"/>
+                                            </p:txEl>
+                                          </p:spTgt>
+                                        </p:tgtEl>
+                                        <p:attrNameLst>
+                                          <p:attrName>style.visibility</p:attrName>
+                                        </p:attrNameLst>
+                                      </p:cBhvr>
+                                      <p:to>
+                                        <p:strVal val="visible"/>
+                                      </p:to>
+                                    </p:set>
+                                  </p:childTnLst>
+                                </p:cTn>
+                              </p:par>
+                            </p:childTnLst>
+                          </p:cTn>
+                        </p:par>
+                      </p:childTnLst>
+                    </p:cTn>
+                  </p:par>
+                  <p:par>
+                    <p:cTn id="9" fill="hold">
+                      <p:stCondLst>
+                        <p:cond delay="indefinite"/>
+                      </p:stCondLst>
+                      <p:childTnLst>
+                        <p:par>
+                          <p:cTn id="10" fill="hold">
+                            <p:stCondLst>
+                              <p:cond delay="0"/>
+                            </p:stCondLst>
+                            <p:childTnLst>
+                              <p:par>
+                                <p:cTn id="11" presetID="1" presetClass="entr" presetSubtype="0" fill="hold" nodeType="clickEffect">
+                                  <p:stCondLst>
+                                    <p:cond delay="0"/>
+                                  </p:stCondLst>
+                                  <p:childTnLst>
+                                    <p:set>
+                                      <p:cBhvr>
+                                        <p:cTn id="12" dur="1" fill="hold">
+                                          <p:stCondLst>
+                                            <p:cond delay="0"/>
+                                          </p:stCondLst>
+                                        </p:cTn>
+                                        <p:tgtEl>
+                                          <p:spTgt spid="8"/>
+                                        </p:tgtEl>
+                                        <p:attrNameLst>
+                                          <p:attrName>style.visibility</p:attrName>
+                                        </p:attrNameLst>
+                                      </p:cBhvr>
+                                      <p:to>
+                                        <p:strVal val="visible"/>
+                                      </p:to>
+                                    </p:set>
+                                  </p:childTnLst>
+                                </p:cTn>
+                              </p:par>
+                            </p:childTnLst>
+                          </p:cTn>
+                        </p:par>
+                      </p:childTnLst>
+                    </p:cTn>
+                  </p:par>
+                </p:childTnLst>
+              </p:cTn>
+              <p:prevCondLst>
+                <p:cond evt="onPrev" delay="0">
+                  <p:tgtEl>
+                    <p:sldTgt/>
+                  </p:tgtEl>
+                </p:cond>
+              </p:prevCondLst>
+              <p:nextCondLst>
+                <p:cond evt="onNext" delay="0">
+                  <p:tgtEl>
+                    <p:sldTgt/>
+                  </p:tgtEl>
+                </p:cond>
+              </p:nextCondLst>
+            </p:seq>
+          </p:childTnLst>
+        </p:cTn>
+      </p:par>
+    </p:tnLst>
+    <p:bldLst>
+      <p:bldP spid="56323" grpId="0" uiExpand="1" build="p" autoUpdateAnimBg="0"/>
+    </p:bldLst>
+  </p:timing>
 </p:sld>
 </file>
 
@@ -24861,7 +25986,7 @@
             </a:r>
             <a:r>
               <a:rPr lang="en-US" dirty="0"/>
-              <a:t> for identifiers: a sequence of one or more letters, numbers and underscores which starts with a letter or underscore.</a:t>
+              <a:t> for identifiers: a sequence of one or more letters, digits and underscores which starts with a letter or underscore.</a:t>
             </a:r>
           </a:p>
         </p:txBody>
@@ -25273,7 +26398,7 @@
                             </p:stCondLst>
                             <p:childTnLst>
                               <p:par>
-                                <p:cTn id="13" presetID="1" presetClass="entr" presetSubtype="0" fill="hold" grpId="0" nodeType="clickEffect">
+                                <p:cTn id="13" presetID="1" presetClass="entr" presetSubtype="0" fill="hold" nodeType="clickEffect">
                                   <p:stCondLst>
                                     <p:cond delay="0"/>
                                   </p:stCondLst>
@@ -25281,6 +26406,96 @@
                                     <p:set>
                                       <p:cBhvr>
                                         <p:cTn id="14" dur="1" fill="hold">
+                                          <p:stCondLst>
+                                            <p:cond delay="0"/>
+                                          </p:stCondLst>
+                                        </p:cTn>
+                                        <p:tgtEl>
+                                          <p:spTgt spid="3"/>
+                                        </p:tgtEl>
+                                        <p:attrNameLst>
+                                          <p:attrName>style.visibility</p:attrName>
+                                        </p:attrNameLst>
+                                      </p:cBhvr>
+                                      <p:to>
+                                        <p:strVal val="visible"/>
+                                      </p:to>
+                                    </p:set>
+                                  </p:childTnLst>
+                                </p:cTn>
+                              </p:par>
+                            </p:childTnLst>
+                          </p:cTn>
+                        </p:par>
+                      </p:childTnLst>
+                    </p:cTn>
+                  </p:par>
+                  <p:par>
+                    <p:cTn id="15" fill="hold">
+                      <p:stCondLst>
+                        <p:cond delay="indefinite"/>
+                      </p:stCondLst>
+                      <p:childTnLst>
+                        <p:par>
+                          <p:cTn id="16" fill="hold">
+                            <p:stCondLst>
+                              <p:cond delay="0"/>
+                            </p:stCondLst>
+                            <p:childTnLst>
+                              <p:par>
+                                <p:cTn id="17" presetID="1" presetClass="entr" presetSubtype="0" fill="hold" nodeType="clickEffect">
+                                  <p:stCondLst>
+                                    <p:cond delay="0"/>
+                                  </p:stCondLst>
+                                  <p:childTnLst>
+                                    <p:set>
+                                      <p:cBhvr>
+                                        <p:cTn id="18" dur="1" fill="hold">
+                                          <p:stCondLst>
+                                            <p:cond delay="0"/>
+                                          </p:stCondLst>
+                                        </p:cTn>
+                                        <p:tgtEl>
+                                          <p:spTgt spid="4"/>
+                                        </p:tgtEl>
+                                        <p:attrNameLst>
+                                          <p:attrName>style.visibility</p:attrName>
+                                        </p:attrNameLst>
+                                      </p:cBhvr>
+                                      <p:to>
+                                        <p:strVal val="visible"/>
+                                      </p:to>
+                                    </p:set>
+                                  </p:childTnLst>
+                                </p:cTn>
+                              </p:par>
+                            </p:childTnLst>
+                          </p:cTn>
+                        </p:par>
+                      </p:childTnLst>
+                    </p:cTn>
+                  </p:par>
+                  <p:par>
+                    <p:cTn id="19" fill="hold">
+                      <p:stCondLst>
+                        <p:cond delay="indefinite"/>
+                      </p:stCondLst>
+                      <p:childTnLst>
+                        <p:par>
+                          <p:cTn id="20" fill="hold">
+                            <p:stCondLst>
+                              <p:cond delay="0"/>
+                            </p:stCondLst>
+                            <p:childTnLst>
+                              <p:par>
+                                <p:cTn id="21" presetID="1" presetClass="entr" presetSubtype="0" fill="hold" grpId="0" nodeType="clickEffect">
+                                  <p:stCondLst>
+                                    <p:cond delay="0"/>
+                                  </p:stCondLst>
+                                  <p:childTnLst>
+                                    <p:set>
+                                      <p:cBhvr>
+                                        <p:cTn id="22" dur="1" fill="hold">
                                           <p:stCondLst>
                                             <p:cond delay="0"/>
                                           </p:stCondLst>
@@ -25304,105 +26519,7 @@
                                 </p:cTn>
                               </p:par>
                               <p:par>
-                                <p:cTn id="15" presetID="1" presetClass="entr" presetSubtype="0" fill="hold" grpId="0" nodeType="withEffect">
-                                  <p:stCondLst>
-                                    <p:cond delay="0"/>
-                                  </p:stCondLst>
-                                  <p:childTnLst>
-                                    <p:set>
-                                      <p:cBhvr>
-                                        <p:cTn id="16" dur="1" fill="hold">
-                                          <p:stCondLst>
-                                            <p:cond delay="0"/>
-                                          </p:stCondLst>
-                                        </p:cTn>
-                                        <p:tgtEl>
-                                          <p:spTgt spid="55299">
-                                            <p:txEl>
-                                              <p:pRg st="4" end="4"/>
-                                            </p:txEl>
-                                          </p:spTgt>
-                                        </p:tgtEl>
-                                        <p:attrNameLst>
-                                          <p:attrName>style.visibility</p:attrName>
-                                        </p:attrNameLst>
-                                      </p:cBhvr>
-                                      <p:to>
-                                        <p:strVal val="visible"/>
-                                      </p:to>
-                                    </p:set>
-                                  </p:childTnLst>
-                                </p:cTn>
-                              </p:par>
-                            </p:childTnLst>
-                          </p:cTn>
-                        </p:par>
-                      </p:childTnLst>
-                    </p:cTn>
-                  </p:par>
-                  <p:par>
-                    <p:cTn id="17" fill="hold">
-                      <p:stCondLst>
-                        <p:cond delay="indefinite"/>
-                      </p:stCondLst>
-                      <p:childTnLst>
-                        <p:par>
-                          <p:cTn id="18" fill="hold">
-                            <p:stCondLst>
-                              <p:cond delay="0"/>
-                            </p:stCondLst>
-                            <p:childTnLst>
-                              <p:par>
-                                <p:cTn id="19" presetID="1" presetClass="entr" presetSubtype="0" fill="hold" grpId="0" nodeType="clickEffect">
-                                  <p:stCondLst>
-                                    <p:cond delay="0"/>
-                                  </p:stCondLst>
-                                  <p:childTnLst>
-                                    <p:set>
-                                      <p:cBhvr>
-                                        <p:cTn id="20" dur="1" fill="hold">
-                                          <p:stCondLst>
-                                            <p:cond delay="0"/>
-                                          </p:stCondLst>
-                                        </p:cTn>
-                                        <p:tgtEl>
-                                          <p:spTgt spid="55299">
-                                            <p:txEl>
-                                              <p:pRg st="5" end="5"/>
-                                            </p:txEl>
-                                          </p:spTgt>
-                                        </p:tgtEl>
-                                        <p:attrNameLst>
-                                          <p:attrName>style.visibility</p:attrName>
-                                        </p:attrNameLst>
-                                      </p:cBhvr>
-                                      <p:to>
-                                        <p:strVal val="visible"/>
-                                      </p:to>
-                                    </p:set>
-                                  </p:childTnLst>
-                                </p:cTn>
-                              </p:par>
-                            </p:childTnLst>
-                          </p:cTn>
-                        </p:par>
-                      </p:childTnLst>
-                    </p:cTn>
-                  </p:par>
-                  <p:par>
-                    <p:cTn id="21" fill="hold">
-                      <p:stCondLst>
-                        <p:cond delay="indefinite"/>
-                      </p:stCondLst>
-                      <p:childTnLst>
-                        <p:par>
-                          <p:cTn id="22" fill="hold">
-                            <p:stCondLst>
-                              <p:cond delay="0"/>
-                            </p:stCondLst>
-                            <p:childTnLst>
-                              <p:par>
-                                <p:cTn id="23" presetID="1" presetClass="entr" presetSubtype="0" fill="hold" grpId="0" nodeType="clickEffect">
+                                <p:cTn id="23" presetID="1" presetClass="entr" presetSubtype="0" fill="hold" grpId="0" nodeType="withEffect">
                                   <p:stCondLst>
                                     <p:cond delay="0"/>
                                   </p:stCondLst>
@@ -25417,7 +26534,7 @@
                                         <p:tgtEl>
                                           <p:spTgt spid="55299">
                                             <p:txEl>
-                                              <p:pRg st="6" end="6"/>
+                                              <p:pRg st="4" end="4"/>
                                             </p:txEl>
                                           </p:spTgt>
                                         </p:tgtEl>
@@ -25466,7 +26583,7 @@
                                         <p:tgtEl>
                                           <p:spTgt spid="55299">
                                             <p:txEl>
-                                              <p:pRg st="7" end="7"/>
+                                              <p:pRg st="5" end="5"/>
                                             </p:txEl>
                                           </p:spTgt>
                                         </p:tgtEl>
@@ -25500,7 +26617,7 @@
                             </p:stCondLst>
                             <p:childTnLst>
                               <p:par>
-                                <p:cTn id="31" presetID="1" presetClass="entr" presetSubtype="0" fill="hold" nodeType="clickEffect">
+                                <p:cTn id="31" presetID="1" presetClass="entr" presetSubtype="0" fill="hold" grpId="0" nodeType="clickEffect">
                                   <p:stCondLst>
                                     <p:cond delay="0"/>
                                   </p:stCondLst>
@@ -25513,7 +26630,11 @@
                                           </p:stCondLst>
                                         </p:cTn>
                                         <p:tgtEl>
-                                          <p:spTgt spid="3"/>
+                                          <p:spTgt spid="55299">
+                                            <p:txEl>
+                                              <p:pRg st="6" end="6"/>
+                                            </p:txEl>
+                                          </p:spTgt>
                                         </p:tgtEl>
                                         <p:attrNameLst>
                                           <p:attrName>style.visibility</p:attrName>
@@ -25545,7 +26666,7 @@
                             </p:stCondLst>
                             <p:childTnLst>
                               <p:par>
-                                <p:cTn id="35" presetID="1" presetClass="entr" presetSubtype="0" fill="hold" nodeType="clickEffect">
+                                <p:cTn id="35" presetID="1" presetClass="entr" presetSubtype="0" fill="hold" grpId="0" nodeType="clickEffect">
                                   <p:stCondLst>
                                     <p:cond delay="0"/>
                                   </p:stCondLst>
@@ -25558,7 +26679,11 @@
                                           </p:stCondLst>
                                         </p:cTn>
                                         <p:tgtEl>
-                                          <p:spTgt spid="4"/>
+                                          <p:spTgt spid="55299">
+                                            <p:txEl>
+                                              <p:pRg st="7" end="7"/>
+                                            </p:txEl>
+                                          </p:spTgt>
                                         </p:tgtEl>
                                         <p:attrNameLst>
                                           <p:attrName>style.visibility</p:attrName>
@@ -25599,7 +26724,7 @@
       </p:par>
     </p:tnLst>
     <p:bldLst>
-      <p:bldP spid="55299" grpId="0" build="p"/>
+      <p:bldP spid="55299" grpId="0" uiExpand="1" build="p"/>
     </p:bldLst>
   </p:timing>
 </p:sld>
@@ -25839,64 +26964,6 @@
                 <a:schemeClr val="accent2"/>
               </a:solidFill>
             </a:endParaRPr>
-          </a:p>
-        </p:txBody>
-      </p:sp>
-      <p:sp>
-        <p:nvSpPr>
-          <p:cNvPr id="7" name="Rectangular Callout 6">
-            <a:extLst>
-              <a:ext uri="{FF2B5EF4-FFF2-40B4-BE49-F238E27FC236}">
-                <a16:creationId xmlns:a16="http://schemas.microsoft.com/office/drawing/2014/main" id="{27D422E0-3F0B-7C44-B998-109B1D92A101}"/>
-              </a:ext>
-            </a:extLst>
-          </p:cNvPr>
-          <p:cNvSpPr/>
-          <p:nvPr/>
-        </p:nvSpPr>
-        <p:spPr>
-          <a:xfrm>
-            <a:off x="6300192" y="2561801"/>
-            <a:ext cx="2057400" cy="666732"/>
-          </a:xfrm>
-          <a:prstGeom prst="wedgeRectCallout">
-            <a:avLst>
-              <a:gd name="adj1" fmla="val -59837"/>
-              <a:gd name="adj2" fmla="val -34239"/>
-            </a:avLst>
-          </a:prstGeom>
-        </p:spPr>
-        <p:style>
-          <a:lnRef idx="2">
-            <a:schemeClr val="accent1">
-              <a:shade val="50000"/>
-            </a:schemeClr>
-          </a:lnRef>
-          <a:fillRef idx="1">
-            <a:schemeClr val="accent1"/>
-          </a:fillRef>
-          <a:effectRef idx="0">
-            <a:schemeClr val="accent1"/>
-          </a:effectRef>
-          <a:fontRef idx="minor">
-            <a:schemeClr val="lt1"/>
-          </a:fontRef>
-        </p:style>
-        <p:txBody>
-          <a:bodyPr rtlCol="0" anchor="ctr"/>
-          <a:lstStyle/>
-          <a:p>
-            <a:r>
-              <a:rPr lang="en-US" sz="1400" dirty="0"/>
-              <a:t>Q: What token(s) will be produced for input </a:t>
-            </a:r>
-            <a:r>
-              <a:rPr lang="en-US" sz="1400" dirty="0">
-                <a:latin typeface="Consolas" panose="020B0609020204030204" pitchFamily="49" charset="0"/>
-                <a:cs typeface="Consolas" panose="020B0609020204030204" pitchFamily="49" charset="0"/>
-              </a:rPr>
-              <a:t>double(-1)</a:t>
-            </a:r>
           </a:p>
         </p:txBody>
       </p:sp>
@@ -26362,51 +27429,6 @@
                       </p:childTnLst>
                     </p:cTn>
                   </p:par>
-                  <p:par>
-                    <p:cTn id="33" fill="hold">
-                      <p:stCondLst>
-                        <p:cond delay="indefinite"/>
-                      </p:stCondLst>
-                      <p:childTnLst>
-                        <p:par>
-                          <p:cTn id="34" fill="hold">
-                            <p:stCondLst>
-                              <p:cond delay="0"/>
-                            </p:stCondLst>
-                            <p:childTnLst>
-                              <p:par>
-                                <p:cTn id="35" presetID="1" presetClass="entr" presetSubtype="0" fill="hold" grpId="0" nodeType="clickEffect">
-                                  <p:stCondLst>
-                                    <p:cond delay="0"/>
-                                  </p:stCondLst>
-                                  <p:childTnLst>
-                                    <p:set>
-                                      <p:cBhvr>
-                                        <p:cTn id="36" dur="1" fill="hold">
-                                          <p:stCondLst>
-                                            <p:cond delay="0"/>
-                                          </p:stCondLst>
-                                        </p:cTn>
-                                        <p:tgtEl>
-                                          <p:spTgt spid="7"/>
-                                        </p:tgtEl>
-                                        <p:attrNameLst>
-                                          <p:attrName>style.visibility</p:attrName>
-                                        </p:attrNameLst>
-                                      </p:cBhvr>
-                                      <p:to>
-                                        <p:strVal val="visible"/>
-                                      </p:to>
-                                    </p:set>
-                                  </p:childTnLst>
-                                </p:cTn>
-                              </p:par>
-                            </p:childTnLst>
-                          </p:cTn>
-                        </p:par>
-                      </p:childTnLst>
-                    </p:cTn>
-                  </p:par>
                 </p:childTnLst>
               </p:cTn>
               <p:prevCondLst>
@@ -26430,7 +27452,6 @@
     </p:tnLst>
     <p:bldLst>
       <p:bldP spid="56323" grpId="0" uiExpand="1" build="p" autoUpdateAnimBg="0"/>
-      <p:bldP spid="7" grpId="0" animBg="1"/>
       <p:bldP spid="8" grpId="0" animBg="1"/>
     </p:bldLst>
   </p:timing>
@@ -26574,28 +27595,6 @@
               <a:t>It’s the job of the parser to disambiguate based on the context</a:t>
             </a:r>
           </a:p>
-          <a:p>
-            <a:pPr>
-              <a:lnSpc>
-                <a:spcPct val="90000"/>
-              </a:lnSpc>
-            </a:pPr>
-            <a:r>
-              <a:rPr lang="en-US" dirty="0" err="1"/>
-              <a:t>Regexps</a:t>
-            </a:r>
-            <a:r>
-              <a:rPr lang="en-US" dirty="0"/>
-              <a:t> can be used only if the language definition is sane</a:t>
-            </a:r>
-          </a:p>
-          <a:p>
-            <a:pPr lvl="1"/>
-            <a:r>
-              <a:rPr lang="en-US" dirty="0"/>
-              <a:t>Should not permit crazy long-distance effects (e.g. Fortran)</a:t>
-            </a:r>
-          </a:p>
         </p:txBody>
       </p:sp>
       <p:sp>
@@ -26622,271 +27621,64 @@
           </a:p>
         </p:txBody>
       </p:sp>
-      <p:grpSp>
-        <p:nvGrpSpPr>
-          <p:cNvPr id="8" name="Group 7">
+      <p:sp>
+        <p:nvSpPr>
+          <p:cNvPr id="12" name="Rectangular Callout 11">
             <a:extLst>
               <a:ext uri="{FF2B5EF4-FFF2-40B4-BE49-F238E27FC236}">
-                <a16:creationId xmlns:a16="http://schemas.microsoft.com/office/drawing/2014/main" id="{B6D4DC19-FE9F-C343-BDAE-6CF7822945C4}"/>
+                <a16:creationId xmlns:a16="http://schemas.microsoft.com/office/drawing/2014/main" id="{0DEC8950-55BC-4C48-8A50-2B27628BB07D}"/>
               </a:ext>
             </a:extLst>
           </p:cNvPr>
-          <p:cNvGrpSpPr/>
+          <p:cNvSpPr/>
           <p:nvPr/>
-        </p:nvGrpSpPr>
-        <p:grpSpPr>
+        </p:nvSpPr>
+        <p:spPr>
           <a:xfrm>
-            <a:off x="1115616" y="3867894"/>
-            <a:ext cx="6071182" cy="706096"/>
-            <a:chOff x="3203848" y="253778"/>
-            <a:chExt cx="6071182" cy="706096"/>
+            <a:off x="4860032" y="3553472"/>
+            <a:ext cx="3528392" cy="804289"/>
           </a:xfrm>
-        </p:grpSpPr>
-        <p:sp>
-          <p:nvSpPr>
-            <p:cNvPr id="3" name="TextBox 2">
-              <a:extLst>
-                <a:ext uri="{FF2B5EF4-FFF2-40B4-BE49-F238E27FC236}">
-                  <a16:creationId xmlns:a16="http://schemas.microsoft.com/office/drawing/2014/main" id="{F05BD96A-2DC3-E240-A2DC-6E8ED59ADD43}"/>
-                </a:ext>
-              </a:extLst>
-            </p:cNvPr>
-            <p:cNvSpPr txBox="1"/>
-            <p:nvPr/>
-          </p:nvSpPr>
-          <p:spPr>
-            <a:xfrm>
-              <a:off x="3203848" y="253778"/>
-              <a:ext cx="1531188" cy="338554"/>
-            </a:xfrm>
-            <a:prstGeom prst="rect">
-              <a:avLst/>
-            </a:prstGeom>
-            <a:noFill/>
-          </p:spPr>
-          <p:txBody>
-            <a:bodyPr wrap="none" rtlCol="0">
-              <a:spAutoFit/>
-            </a:bodyPr>
-            <a:lstStyle/>
-            <a:p>
-              <a:r>
-                <a:rPr lang="en-US" sz="1600" dirty="0">
-                  <a:latin typeface="Consolas" panose="020B0609020204030204" pitchFamily="49" charset="0"/>
-                  <a:cs typeface="Consolas" panose="020B0609020204030204" pitchFamily="49" charset="0"/>
-                </a:rPr>
-                <a:t>DO 5 I = 1,5</a:t>
-              </a:r>
-            </a:p>
-          </p:txBody>
-        </p:sp>
-        <p:sp>
-          <p:nvSpPr>
-            <p:cNvPr id="5" name="TextBox 4">
-              <a:extLst>
-                <a:ext uri="{FF2B5EF4-FFF2-40B4-BE49-F238E27FC236}">
-                  <a16:creationId xmlns:a16="http://schemas.microsoft.com/office/drawing/2014/main" id="{DE1B3865-7A91-B542-9102-840FF89932BB}"/>
-                </a:ext>
-              </a:extLst>
-            </p:cNvPr>
-            <p:cNvSpPr txBox="1"/>
-            <p:nvPr/>
-          </p:nvSpPr>
-          <p:spPr>
-            <a:xfrm>
-              <a:off x="5148064" y="269227"/>
-              <a:ext cx="3326552" cy="338554"/>
-            </a:xfrm>
-            <a:prstGeom prst="rect">
-              <a:avLst/>
-            </a:prstGeom>
-            <a:noFill/>
-          </p:spPr>
-          <p:txBody>
-            <a:bodyPr wrap="none" rtlCol="0">
-              <a:spAutoFit/>
-            </a:bodyPr>
-            <a:lstStyle/>
-            <a:p>
-              <a:r>
-                <a:rPr lang="en-US" sz="1600" dirty="0">
-                  <a:latin typeface="Consolas" panose="020B0609020204030204" pitchFamily="49" charset="0"/>
-                  <a:cs typeface="Consolas" panose="020B0609020204030204" pitchFamily="49" charset="0"/>
-                </a:rPr>
-                <a:t>T_DO T_INT(5) T_ID(I) T_EQ …</a:t>
-              </a:r>
-            </a:p>
-          </p:txBody>
-        </p:sp>
-        <p:sp>
-          <p:nvSpPr>
-            <p:cNvPr id="10" name="TextBox 9">
-              <a:extLst>
-                <a:ext uri="{FF2B5EF4-FFF2-40B4-BE49-F238E27FC236}">
-                  <a16:creationId xmlns:a16="http://schemas.microsoft.com/office/drawing/2014/main" id="{1783386B-3B3A-A142-BAFE-017A27EE327D}"/>
-                </a:ext>
-              </a:extLst>
-            </p:cNvPr>
-            <p:cNvSpPr txBox="1"/>
-            <p:nvPr/>
-          </p:nvSpPr>
-          <p:spPr>
-            <a:xfrm>
-              <a:off x="3203848" y="621320"/>
-              <a:ext cx="1531188" cy="338554"/>
-            </a:xfrm>
-            <a:prstGeom prst="rect">
-              <a:avLst/>
-            </a:prstGeom>
-            <a:noFill/>
-          </p:spPr>
-          <p:txBody>
-            <a:bodyPr wrap="none" rtlCol="0">
-              <a:spAutoFit/>
-            </a:bodyPr>
-            <a:lstStyle/>
-            <a:p>
-              <a:r>
-                <a:rPr lang="en-US" sz="1600" dirty="0">
-                  <a:latin typeface="Consolas" panose="020B0609020204030204" pitchFamily="49" charset="0"/>
-                  <a:cs typeface="Consolas" panose="020B0609020204030204" pitchFamily="49" charset="0"/>
-                </a:rPr>
-                <a:t>DO 5 I = 1.5</a:t>
-              </a:r>
-            </a:p>
-          </p:txBody>
-        </p:sp>
-        <p:sp>
-          <p:nvSpPr>
-            <p:cNvPr id="11" name="TextBox 10">
-              <a:extLst>
-                <a:ext uri="{FF2B5EF4-FFF2-40B4-BE49-F238E27FC236}">
-                  <a16:creationId xmlns:a16="http://schemas.microsoft.com/office/drawing/2014/main" id="{3052FAE7-BA3E-5843-B381-0FB8947B2A59}"/>
-                </a:ext>
-              </a:extLst>
-            </p:cNvPr>
-            <p:cNvSpPr txBox="1"/>
-            <p:nvPr/>
-          </p:nvSpPr>
-          <p:spPr>
-            <a:xfrm>
-              <a:off x="5163007" y="621320"/>
-              <a:ext cx="4112023" cy="338554"/>
-            </a:xfrm>
-            <a:prstGeom prst="rect">
-              <a:avLst/>
-            </a:prstGeom>
-            <a:noFill/>
-          </p:spPr>
-          <p:txBody>
-            <a:bodyPr wrap="none" rtlCol="0">
-              <a:spAutoFit/>
-            </a:bodyPr>
-            <a:lstStyle/>
-            <a:p>
-              <a:r>
-                <a:rPr lang="en-US" sz="1600" dirty="0">
-                  <a:latin typeface="Consolas" panose="020B0609020204030204" pitchFamily="49" charset="0"/>
-                  <a:cs typeface="Consolas" panose="020B0609020204030204" pitchFamily="49" charset="0"/>
-                </a:rPr>
-                <a:t>T_ID(DO 5 I) T_EQ T_FLOATCONST(1.5)</a:t>
-              </a:r>
-            </a:p>
-          </p:txBody>
-        </p:sp>
-        <p:sp>
-          <p:nvSpPr>
-            <p:cNvPr id="7" name="Right Arrow 6">
-              <a:extLst>
-                <a:ext uri="{FF2B5EF4-FFF2-40B4-BE49-F238E27FC236}">
-                  <a16:creationId xmlns:a16="http://schemas.microsoft.com/office/drawing/2014/main" id="{8C1A0AD1-8E45-C14E-A641-7E4BE85EF9F4}"/>
-                </a:ext>
-              </a:extLst>
-            </p:cNvPr>
-            <p:cNvSpPr/>
-            <p:nvPr/>
-          </p:nvSpPr>
-          <p:spPr>
-            <a:xfrm>
-              <a:off x="4842050" y="353865"/>
-              <a:ext cx="216024" cy="169277"/>
-            </a:xfrm>
-            <a:prstGeom prst="rightArrow">
-              <a:avLst/>
-            </a:prstGeom>
-          </p:spPr>
-          <p:style>
-            <a:lnRef idx="2">
-              <a:schemeClr val="accent1">
-                <a:shade val="50000"/>
-              </a:schemeClr>
-            </a:lnRef>
-            <a:fillRef idx="1">
-              <a:schemeClr val="accent1"/>
-            </a:fillRef>
-            <a:effectRef idx="0">
-              <a:schemeClr val="accent1"/>
-            </a:effectRef>
-            <a:fontRef idx="minor">
-              <a:schemeClr val="lt1"/>
-            </a:fontRef>
-          </p:style>
-          <p:txBody>
-            <a:bodyPr rtlCol="0" anchor="ctr"/>
-            <a:lstStyle/>
-            <a:p>
-              <a:pPr algn="ctr"/>
-              <a:endParaRPr lang="en-US"/>
-            </a:p>
-          </p:txBody>
-        </p:sp>
-        <p:sp>
-          <p:nvSpPr>
-            <p:cNvPr id="13" name="Right Arrow 12">
-              <a:extLst>
-                <a:ext uri="{FF2B5EF4-FFF2-40B4-BE49-F238E27FC236}">
-                  <a16:creationId xmlns:a16="http://schemas.microsoft.com/office/drawing/2014/main" id="{45FEE82B-6B30-E24B-958E-B03399165166}"/>
-                </a:ext>
-              </a:extLst>
-            </p:cNvPr>
-            <p:cNvSpPr/>
-            <p:nvPr/>
-          </p:nvSpPr>
-          <p:spPr>
-            <a:xfrm>
-              <a:off x="4839833" y="705958"/>
-              <a:ext cx="216024" cy="169277"/>
-            </a:xfrm>
-            <a:prstGeom prst="rightArrow">
-              <a:avLst/>
-            </a:prstGeom>
-          </p:spPr>
-          <p:style>
-            <a:lnRef idx="2">
-              <a:schemeClr val="accent1">
-                <a:shade val="50000"/>
-              </a:schemeClr>
-            </a:lnRef>
-            <a:fillRef idx="1">
-              <a:schemeClr val="accent1"/>
-            </a:fillRef>
-            <a:effectRef idx="0">
-              <a:schemeClr val="accent1"/>
-            </a:effectRef>
-            <a:fontRef idx="minor">
-              <a:schemeClr val="lt1"/>
-            </a:fontRef>
-          </p:style>
-          <p:txBody>
-            <a:bodyPr rtlCol="0" anchor="ctr"/>
-            <a:lstStyle/>
-            <a:p>
-              <a:pPr algn="ctr"/>
-              <a:endParaRPr lang="en-US"/>
-            </a:p>
-          </p:txBody>
-        </p:sp>
-      </p:grpSp>
+          <a:prstGeom prst="wedgeRectCallout">
+            <a:avLst>
+              <a:gd name="adj1" fmla="val -59837"/>
+              <a:gd name="adj2" fmla="val -34239"/>
+            </a:avLst>
+          </a:prstGeom>
+        </p:spPr>
+        <p:style>
+          <a:lnRef idx="2">
+            <a:schemeClr val="accent1">
+              <a:shade val="50000"/>
+            </a:schemeClr>
+          </a:lnRef>
+          <a:fillRef idx="1">
+            <a:schemeClr val="accent1"/>
+          </a:fillRef>
+          <a:effectRef idx="0">
+            <a:schemeClr val="accent1"/>
+          </a:effectRef>
+          <a:fontRef idx="minor">
+            <a:schemeClr val="lt1"/>
+          </a:fontRef>
+        </p:style>
+        <p:txBody>
+          <a:bodyPr rtlCol="0" anchor="ctr"/>
+          <a:lstStyle/>
+          <a:p>
+            <a:r>
+              <a:rPr lang="en-US" sz="1400" dirty="0"/>
+              <a:t>Q: Using the same token definitions as before, provide the sequence of token(s) that will be produced for input </a:t>
+            </a:r>
+            <a:r>
+              <a:rPr lang="en-US" sz="1400" dirty="0">
+                <a:latin typeface="Consolas" panose="020B0609020204030204" pitchFamily="49" charset="0"/>
+                <a:cs typeface="Consolas" panose="020B0609020204030204" pitchFamily="49" charset="0"/>
+              </a:rPr>
+              <a:t>double(-1)</a:t>
+            </a:r>
+          </a:p>
+        </p:txBody>
+      </p:sp>
     </p:spTree>
   </p:cSld>
   <p:clrMapOvr>
@@ -27064,91 +27856,11 @@
                                       <p:cBhvr>
                                         <p:cTn id="16" dur="1" fill="hold">
                                           <p:stCondLst>
-                                            <p:cond delay="499"/>
-                                          </p:stCondLst>
-                                        </p:cTn>
-                                        <p:tgtEl>
-                                          <p:spTgt spid="56323">
-                                            <p:txEl>
-                                              <p:pRg st="4" end="4"/>
-                                            </p:txEl>
-                                          </p:spTgt>
-                                        </p:tgtEl>
-                                        <p:attrNameLst>
-                                          <p:attrName>style.visibility</p:attrName>
-                                        </p:attrNameLst>
-                                      </p:cBhvr>
-                                      <p:to>
-                                        <p:strVal val="visible"/>
-                                      </p:to>
-                                    </p:set>
-                                  </p:childTnLst>
-                                </p:cTn>
-                              </p:par>
-                              <p:par>
-                                <p:cTn id="17" presetID="1" presetClass="entr" presetSubtype="0" fill="hold" grpId="0" nodeType="withEffect">
-                                  <p:stCondLst>
-                                    <p:cond delay="0"/>
-                                  </p:stCondLst>
-                                  <p:childTnLst>
-                                    <p:set>
-                                      <p:cBhvr>
-                                        <p:cTn id="18" dur="1" fill="hold">
-                                          <p:stCondLst>
-                                            <p:cond delay="499"/>
-                                          </p:stCondLst>
-                                        </p:cTn>
-                                        <p:tgtEl>
-                                          <p:spTgt spid="56323">
-                                            <p:txEl>
-                                              <p:pRg st="5" end="5"/>
-                                            </p:txEl>
-                                          </p:spTgt>
-                                        </p:tgtEl>
-                                        <p:attrNameLst>
-                                          <p:attrName>style.visibility</p:attrName>
-                                        </p:attrNameLst>
-                                      </p:cBhvr>
-                                      <p:to>
-                                        <p:strVal val="visible"/>
-                                      </p:to>
-                                    </p:set>
-                                  </p:childTnLst>
-                                </p:cTn>
-                              </p:par>
-                            </p:childTnLst>
-                          </p:cTn>
-                        </p:par>
-                      </p:childTnLst>
-                    </p:cTn>
-                  </p:par>
-                  <p:par>
-                    <p:cTn id="19" fill="hold">
-                      <p:stCondLst>
-                        <p:cond delay="indefinite"/>
-                      </p:stCondLst>
-                      <p:childTnLst>
-                        <p:par>
-                          <p:cTn id="20" fill="hold">
-                            <p:stCondLst>
-                              <p:cond delay="0"/>
-                            </p:stCondLst>
-                            <p:childTnLst>
-                              <p:par>
-                                <p:cTn id="21" presetID="1" presetClass="entr" presetSubtype="0" fill="hold" nodeType="clickEffect">
-                                  <p:stCondLst>
-                                    <p:cond delay="0"/>
-                                  </p:stCondLst>
-                                  <p:childTnLst>
-                                    <p:set>
-                                      <p:cBhvr>
-                                        <p:cTn id="22" dur="1" fill="hold">
-                                          <p:stCondLst>
                                             <p:cond delay="0"/>
                                           </p:stCondLst>
                                         </p:cTn>
                                         <p:tgtEl>
-                                          <p:spTgt spid="8"/>
+                                          <p:spTgt spid="12"/>
                                         </p:tgtEl>
                                         <p:attrNameLst>
                                           <p:attrName>style.visibility</p:attrName>
@@ -27190,6 +27902,7 @@
     </p:tnLst>
     <p:bldLst>
       <p:bldP spid="56323" grpId="0" uiExpand="1" build="p" autoUpdateAnimBg="0"/>
+      <p:bldP spid="12" grpId="0" animBg="1"/>
     </p:bldLst>
   </p:timing>
 </p:sld>
@@ -27853,7 +28566,7 @@
             </a:pPr>
             <a:r>
               <a:rPr lang="en-US" sz="2400" dirty="0"/>
-              <a:t>Another problem: does the implementation exactly capture the language specification? </a:t>
+              <a:t>Does the implementation exactly capture the language specification? </a:t>
             </a:r>
           </a:p>
           <a:p>

--- a/assets/ppt/lex/lex1-regexp-intro.pptx
+++ b/assets/ppt/lex/lex1-regexp-intro.pptx
@@ -7716,8 +7716,8 @@
           <a:chExt cx="0" cy="0"/>
         </a:xfrm>
       </p:grpSpPr>
-      <mc:AlternateContent xmlns:mc="http://schemas.openxmlformats.org/markup-compatibility/2006">
-        <mc:Choice xmlns:a14="http://schemas.microsoft.com/office/drawing/2010/main" Requires="a14">
+      <mc:AlternateContent xmlns:mc="http://schemas.openxmlformats.org/markup-compatibility/2006" xmlns:a14="http://schemas.microsoft.com/office/drawing/2010/main">
+        <mc:Choice Requires="a14">
           <p:sp>
             <p:nvSpPr>
               <p:cNvPr id="2" name="Title 1">
@@ -7777,7 +7777,7 @@
             </p:txBody>
           </p:sp>
         </mc:Choice>
-        <mc:Fallback>
+        <mc:Fallback xmlns="">
           <p:sp>
             <p:nvSpPr>
               <p:cNvPr id="2" name="Title 1">
@@ -9702,22 +9702,22 @@
             </a:r>
           </a:p>
           <a:p>
-            <a:pPr lvl="1">
-              <a:lnSpc>
-                <a:spcPct val="90000"/>
-              </a:lnSpc>
-            </a:pPr>
+            <a:pPr lvl="1"/>
             <a:r>
               <a:rPr lang="en-US" sz="1800" dirty="0"/>
               <a:t>e.g. Python integers are defined as the pattern </a:t>
             </a:r>
             <a:r>
-              <a:rPr lang="en-US" sz="1800" dirty="0">
+              <a:rPr lang="en-US" dirty="0">
                 <a:latin typeface="Consolas" panose="020B0609020204030204" pitchFamily="49" charset="0"/>
                 <a:cs typeface="Consolas" panose="020B0609020204030204" pitchFamily="49" charset="0"/>
               </a:rPr>
-              <a:t>[1-9][0-9]*</a:t>
+              <a:t>[+-]?([1-9][0-9]*|0)</a:t>
             </a:r>
+            <a:endParaRPr lang="en-US" sz="1800" dirty="0">
+              <a:latin typeface="Consolas" panose="020B0609020204030204" pitchFamily="49" charset="0"/>
+              <a:cs typeface="Consolas" panose="020B0609020204030204" pitchFamily="49" charset="0"/>
+            </a:endParaRPr>
           </a:p>
         </p:txBody>
       </p:sp>
@@ -9759,13 +9759,13 @@
         </p:nvSpPr>
         <p:spPr>
           <a:xfrm>
-            <a:off x="3599892" y="4491100"/>
-            <a:ext cx="1944216" cy="281797"/>
+            <a:off x="5292079" y="4420340"/>
+            <a:ext cx="1375023" cy="357785"/>
           </a:xfrm>
           <a:prstGeom prst="wedgeRectCallout">
             <a:avLst>
-              <a:gd name="adj1" fmla="val 41428"/>
-              <a:gd name="adj2" fmla="val -104306"/>
+              <a:gd name="adj1" fmla="val 38928"/>
+              <a:gd name="adj2" fmla="val -84884"/>
             </a:avLst>
           </a:prstGeom>
         </p:spPr>
@@ -9811,13 +9811,13 @@
         </p:nvSpPr>
         <p:spPr>
           <a:xfrm>
-            <a:off x="5868144" y="4491100"/>
-            <a:ext cx="2701974" cy="281797"/>
+            <a:off x="6876256" y="4409480"/>
+            <a:ext cx="2057400" cy="357784"/>
           </a:xfrm>
           <a:prstGeom prst="wedgeRectCallout">
             <a:avLst>
-              <a:gd name="adj1" fmla="val -34417"/>
-              <a:gd name="adj2" fmla="val -100142"/>
+              <a:gd name="adj1" fmla="val -30741"/>
+              <a:gd name="adj2" fmla="val -83708"/>
             </a:avLst>
           </a:prstGeom>
         </p:spPr>
